--- a/images/sampling/heterogeneity.pptx
+++ b/images/sampling/heterogeneity.pptx
@@ -3887,7 +3887,7 @@
           <a:p>
             <a:fld id="{FD09E7E3-754F-D347-9F7E-1F14D51BFFEB}" type="datetimeFigureOut">
               <a:rPr lang="en-US" smtClean="0"/>
-              <a:t>6/17/22</a:t>
+              <a:t>9/14/23</a:t>
             </a:fld>
             <a:endParaRPr lang="en-US"/>
           </a:p>
@@ -4057,7 +4057,7 @@
           <a:p>
             <a:fld id="{FD09E7E3-754F-D347-9F7E-1F14D51BFFEB}" type="datetimeFigureOut">
               <a:rPr lang="en-US" smtClean="0"/>
-              <a:t>6/17/22</a:t>
+              <a:t>9/14/23</a:t>
             </a:fld>
             <a:endParaRPr lang="en-US"/>
           </a:p>
@@ -4237,7 +4237,7 @@
           <a:p>
             <a:fld id="{FD09E7E3-754F-D347-9F7E-1F14D51BFFEB}" type="datetimeFigureOut">
               <a:rPr lang="en-US" smtClean="0"/>
-              <a:t>6/17/22</a:t>
+              <a:t>9/14/23</a:t>
             </a:fld>
             <a:endParaRPr lang="en-US"/>
           </a:p>
@@ -4407,7 +4407,7 @@
           <a:p>
             <a:fld id="{FD09E7E3-754F-D347-9F7E-1F14D51BFFEB}" type="datetimeFigureOut">
               <a:rPr lang="en-US" smtClean="0"/>
-              <a:t>6/17/22</a:t>
+              <a:t>9/14/23</a:t>
             </a:fld>
             <a:endParaRPr lang="en-US"/>
           </a:p>
@@ -4651,7 +4651,7 @@
           <a:p>
             <a:fld id="{FD09E7E3-754F-D347-9F7E-1F14D51BFFEB}" type="datetimeFigureOut">
               <a:rPr lang="en-US" smtClean="0"/>
-              <a:t>6/17/22</a:t>
+              <a:t>9/14/23</a:t>
             </a:fld>
             <a:endParaRPr lang="en-US"/>
           </a:p>
@@ -4883,7 +4883,7 @@
           <a:p>
             <a:fld id="{FD09E7E3-754F-D347-9F7E-1F14D51BFFEB}" type="datetimeFigureOut">
               <a:rPr lang="en-US" smtClean="0"/>
-              <a:t>6/17/22</a:t>
+              <a:t>9/14/23</a:t>
             </a:fld>
             <a:endParaRPr lang="en-US"/>
           </a:p>
@@ -5250,7 +5250,7 @@
           <a:p>
             <a:fld id="{FD09E7E3-754F-D347-9F7E-1F14D51BFFEB}" type="datetimeFigureOut">
               <a:rPr lang="en-US" smtClean="0"/>
-              <a:t>6/17/22</a:t>
+              <a:t>9/14/23</a:t>
             </a:fld>
             <a:endParaRPr lang="en-US"/>
           </a:p>
@@ -5368,7 +5368,7 @@
           <a:p>
             <a:fld id="{FD09E7E3-754F-D347-9F7E-1F14D51BFFEB}" type="datetimeFigureOut">
               <a:rPr lang="en-US" smtClean="0"/>
-              <a:t>6/17/22</a:t>
+              <a:t>9/14/23</a:t>
             </a:fld>
             <a:endParaRPr lang="en-US"/>
           </a:p>
@@ -5463,7 +5463,7 @@
           <a:p>
             <a:fld id="{FD09E7E3-754F-D347-9F7E-1F14D51BFFEB}" type="datetimeFigureOut">
               <a:rPr lang="en-US" smtClean="0"/>
-              <a:t>6/17/22</a:t>
+              <a:t>9/14/23</a:t>
             </a:fld>
             <a:endParaRPr lang="en-US"/>
           </a:p>
@@ -5740,7 +5740,7 @@
           <a:p>
             <a:fld id="{FD09E7E3-754F-D347-9F7E-1F14D51BFFEB}" type="datetimeFigureOut">
               <a:rPr lang="en-US" smtClean="0"/>
-              <a:t>6/17/22</a:t>
+              <a:t>9/14/23</a:t>
             </a:fld>
             <a:endParaRPr lang="en-US"/>
           </a:p>
@@ -5997,7 +5997,7 @@
           <a:p>
             <a:fld id="{FD09E7E3-754F-D347-9F7E-1F14D51BFFEB}" type="datetimeFigureOut">
               <a:rPr lang="en-US" smtClean="0"/>
-              <a:t>6/17/22</a:t>
+              <a:t>9/14/23</a:t>
             </a:fld>
             <a:endParaRPr lang="en-US"/>
           </a:p>
@@ -6210,7 +6210,7 @@
           <a:p>
             <a:fld id="{FD09E7E3-754F-D347-9F7E-1F14D51BFFEB}" type="datetimeFigureOut">
               <a:rPr lang="en-US" smtClean="0"/>
-              <a:t>6/17/22</a:t>
+              <a:t>9/14/23</a:t>
             </a:fld>
             <a:endParaRPr lang="en-US"/>
           </a:p>
@@ -6615,8 +6615,8 @@
           <a:chExt cx="0" cy="0"/>
         </a:xfrm>
       </p:grpSpPr>
-      <mc:AlternateContent xmlns:mc="http://schemas.openxmlformats.org/markup-compatibility/2006">
-        <mc:Choice xmlns:p14="http://schemas.microsoft.com/office/powerpoint/2010/main" Requires="p14">
+      <mc:AlternateContent xmlns:mc="http://schemas.openxmlformats.org/markup-compatibility/2006" xmlns:p14="http://schemas.microsoft.com/office/powerpoint/2010/main">
+        <mc:Choice Requires="p14">
           <p:contentPart p14:bwMode="auto" r:id="rId2">
             <p14:nvContentPartPr>
               <p14:cNvPr id="161" name="Ink 160">
@@ -6635,7 +6635,7 @@
             </p14:xfrm>
           </p:contentPart>
         </mc:Choice>
-        <mc:Fallback>
+        <mc:Fallback xmlns="">
           <p:pic>
             <p:nvPicPr>
               <p:cNvPr id="161" name="Ink 160">
@@ -6666,8 +6666,8 @@
           </p:pic>
         </mc:Fallback>
       </mc:AlternateContent>
-      <mc:AlternateContent xmlns:mc="http://schemas.openxmlformats.org/markup-compatibility/2006">
-        <mc:Choice xmlns:p14="http://schemas.microsoft.com/office/powerpoint/2010/main" Requires="p14">
+      <mc:AlternateContent xmlns:mc="http://schemas.openxmlformats.org/markup-compatibility/2006" xmlns:p14="http://schemas.microsoft.com/office/powerpoint/2010/main">
+        <mc:Choice Requires="p14">
           <p:contentPart p14:bwMode="auto" r:id="rId4">
             <p14:nvContentPartPr>
               <p14:cNvPr id="7" name="Ink 6">
@@ -6686,7 +6686,7 @@
             </p14:xfrm>
           </p:contentPart>
         </mc:Choice>
-        <mc:Fallback>
+        <mc:Fallback xmlns="">
           <p:pic>
             <p:nvPicPr>
               <p:cNvPr id="7" name="Ink 6">
@@ -6731,8 +6731,8 @@
         </p:nvSpPr>
         <p:spPr>
           <a:xfrm>
-            <a:off x="4701703" y="2356940"/>
-            <a:ext cx="2395720" cy="400110"/>
+            <a:off x="4287938" y="2122863"/>
+            <a:ext cx="3172374" cy="707886"/>
           </a:xfrm>
           <a:prstGeom prst="rect">
             <a:avLst/>
@@ -6740,7 +6740,7 @@
           <a:noFill/>
         </p:spPr>
         <p:txBody>
-          <a:bodyPr wrap="none" rtlCol="0">
+          <a:bodyPr wrap="square" rtlCol="0">
             <a:spAutoFit/>
           </a:bodyPr>
           <a:lstStyle/>
@@ -6748,7 +6748,7 @@
             <a:pPr algn="ctr"/>
             <a:r>
               <a:rPr lang="en-US" sz="2000" b="1" dirty="0"/>
-              <a:t>Homogeneous effect</a:t>
+              <a:t>Homogeneous distribution of effects in the population</a:t>
             </a:r>
           </a:p>
         </p:txBody>
@@ -6839,8 +6839,8 @@
         </p:nvSpPr>
         <p:spPr>
           <a:xfrm>
-            <a:off x="8568563" y="2356940"/>
-            <a:ext cx="2480680" cy="400110"/>
+            <a:off x="8270688" y="2125706"/>
+            <a:ext cx="3191707" cy="711799"/>
           </a:xfrm>
           <a:prstGeom prst="rect">
             <a:avLst/>
@@ -6848,7 +6848,7 @@
           <a:noFill/>
         </p:spPr>
         <p:txBody>
-          <a:bodyPr wrap="none" rtlCol="0">
+          <a:bodyPr wrap="square" rtlCol="0">
             <a:spAutoFit/>
           </a:bodyPr>
           <a:lstStyle/>
@@ -6856,13 +6856,13 @@
             <a:pPr algn="ctr"/>
             <a:r>
               <a:rPr lang="en-US" sz="2000" b="1" dirty="0"/>
-              <a:t>Heterogeneous effect</a:t>
+              <a:t>Heterogeneous distribution of effects in the population</a:t>
             </a:r>
           </a:p>
         </p:txBody>
       </p:sp>
-      <mc:AlternateContent xmlns:mc="http://schemas.openxmlformats.org/markup-compatibility/2006">
-        <mc:Choice xmlns:p14="http://schemas.microsoft.com/office/powerpoint/2010/main" Requires="p14">
+      <mc:AlternateContent xmlns:mc="http://schemas.openxmlformats.org/markup-compatibility/2006" xmlns:p14="http://schemas.microsoft.com/office/powerpoint/2010/main">
+        <mc:Choice Requires="p14">
           <p:contentPart p14:bwMode="auto" r:id="rId5">
             <p14:nvContentPartPr>
               <p14:cNvPr id="239" name="Ink 238">
@@ -6881,7 +6881,7 @@
             </p14:xfrm>
           </p:contentPart>
         </mc:Choice>
-        <mc:Fallback>
+        <mc:Fallback xmlns="">
           <p:pic>
             <p:nvPicPr>
               <p:cNvPr id="239" name="Ink 238">
@@ -6912,8 +6912,8 @@
           </p:pic>
         </mc:Fallback>
       </mc:AlternateContent>
-      <mc:AlternateContent xmlns:mc="http://schemas.openxmlformats.org/markup-compatibility/2006">
-        <mc:Choice xmlns:p14="http://schemas.microsoft.com/office/powerpoint/2010/main" Requires="p14">
+      <mc:AlternateContent xmlns:mc="http://schemas.openxmlformats.org/markup-compatibility/2006" xmlns:p14="http://schemas.microsoft.com/office/powerpoint/2010/main">
+        <mc:Choice Requires="p14">
           <p:contentPart p14:bwMode="auto" r:id="rId7">
             <p14:nvContentPartPr>
               <p14:cNvPr id="240" name="Ink 239">
@@ -6932,7 +6932,7 @@
             </p14:xfrm>
           </p:contentPart>
         </mc:Choice>
-        <mc:Fallback>
+        <mc:Fallback xmlns="">
           <p:pic>
             <p:nvPicPr>
               <p:cNvPr id="240" name="Ink 239">
@@ -6963,8 +6963,8 @@
           </p:pic>
         </mc:Fallback>
       </mc:AlternateContent>
-      <mc:AlternateContent xmlns:mc="http://schemas.openxmlformats.org/markup-compatibility/2006">
-        <mc:Choice xmlns:p14="http://schemas.microsoft.com/office/powerpoint/2010/main" Requires="p14">
+      <mc:AlternateContent xmlns:mc="http://schemas.openxmlformats.org/markup-compatibility/2006" xmlns:p14="http://schemas.microsoft.com/office/powerpoint/2010/main">
+        <mc:Choice Requires="p14">
           <p:contentPart p14:bwMode="auto" r:id="rId8">
             <p14:nvContentPartPr>
               <p14:cNvPr id="241" name="Ink 240">
@@ -6983,7 +6983,7 @@
             </p14:xfrm>
           </p:contentPart>
         </mc:Choice>
-        <mc:Fallback>
+        <mc:Fallback xmlns="">
           <p:pic>
             <p:nvPicPr>
               <p:cNvPr id="241" name="Ink 240">
@@ -7014,8 +7014,8 @@
           </p:pic>
         </mc:Fallback>
       </mc:AlternateContent>
-      <mc:AlternateContent xmlns:mc="http://schemas.openxmlformats.org/markup-compatibility/2006">
-        <mc:Choice xmlns:p14="http://schemas.microsoft.com/office/powerpoint/2010/main" Requires="p14">
+      <mc:AlternateContent xmlns:mc="http://schemas.openxmlformats.org/markup-compatibility/2006" xmlns:p14="http://schemas.microsoft.com/office/powerpoint/2010/main">
+        <mc:Choice Requires="p14">
           <p:contentPart p14:bwMode="auto" r:id="rId9">
             <p14:nvContentPartPr>
               <p14:cNvPr id="242" name="Ink 241">
@@ -7034,7 +7034,7 @@
             </p14:xfrm>
           </p:contentPart>
         </mc:Choice>
-        <mc:Fallback>
+        <mc:Fallback xmlns="">
           <p:pic>
             <p:nvPicPr>
               <p:cNvPr id="242" name="Ink 241">
@@ -7065,8 +7065,8 @@
           </p:pic>
         </mc:Fallback>
       </mc:AlternateContent>
-      <mc:AlternateContent xmlns:mc="http://schemas.openxmlformats.org/markup-compatibility/2006">
-        <mc:Choice xmlns:p14="http://schemas.microsoft.com/office/powerpoint/2010/main" Requires="p14">
+      <mc:AlternateContent xmlns:mc="http://schemas.openxmlformats.org/markup-compatibility/2006" xmlns:p14="http://schemas.microsoft.com/office/powerpoint/2010/main">
+        <mc:Choice Requires="p14">
           <p:contentPart p14:bwMode="auto" r:id="rId10">
             <p14:nvContentPartPr>
               <p14:cNvPr id="243" name="Ink 242">
@@ -7085,7 +7085,7 @@
             </p14:xfrm>
           </p:contentPart>
         </mc:Choice>
-        <mc:Fallback>
+        <mc:Fallback xmlns="">
           <p:pic>
             <p:nvPicPr>
               <p:cNvPr id="243" name="Ink 242">
@@ -7116,8 +7116,8 @@
           </p:pic>
         </mc:Fallback>
       </mc:AlternateContent>
-      <mc:AlternateContent xmlns:mc="http://schemas.openxmlformats.org/markup-compatibility/2006">
-        <mc:Choice xmlns:p14="http://schemas.microsoft.com/office/powerpoint/2010/main" Requires="p14">
+      <mc:AlternateContent xmlns:mc="http://schemas.openxmlformats.org/markup-compatibility/2006" xmlns:p14="http://schemas.microsoft.com/office/powerpoint/2010/main">
+        <mc:Choice Requires="p14">
           <p:contentPart p14:bwMode="auto" r:id="rId11">
             <p14:nvContentPartPr>
               <p14:cNvPr id="244" name="Ink 243">
@@ -7136,7 +7136,7 @@
             </p14:xfrm>
           </p:contentPart>
         </mc:Choice>
-        <mc:Fallback>
+        <mc:Fallback xmlns="">
           <p:pic>
             <p:nvPicPr>
               <p:cNvPr id="244" name="Ink 243">
@@ -7167,8 +7167,8 @@
           </p:pic>
         </mc:Fallback>
       </mc:AlternateContent>
-      <mc:AlternateContent xmlns:mc="http://schemas.openxmlformats.org/markup-compatibility/2006">
-        <mc:Choice xmlns:p14="http://schemas.microsoft.com/office/powerpoint/2010/main" Requires="p14">
+      <mc:AlternateContent xmlns:mc="http://schemas.openxmlformats.org/markup-compatibility/2006" xmlns:p14="http://schemas.microsoft.com/office/powerpoint/2010/main">
+        <mc:Choice Requires="p14">
           <p:contentPart p14:bwMode="auto" r:id="rId12">
             <p14:nvContentPartPr>
               <p14:cNvPr id="245" name="Ink 244">
@@ -7187,7 +7187,7 @@
             </p14:xfrm>
           </p:contentPart>
         </mc:Choice>
-        <mc:Fallback>
+        <mc:Fallback xmlns="">
           <p:pic>
             <p:nvPicPr>
               <p:cNvPr id="245" name="Ink 244">
@@ -7218,8 +7218,8 @@
           </p:pic>
         </mc:Fallback>
       </mc:AlternateContent>
-      <mc:AlternateContent xmlns:mc="http://schemas.openxmlformats.org/markup-compatibility/2006">
-        <mc:Choice xmlns:p14="http://schemas.microsoft.com/office/powerpoint/2010/main" Requires="p14">
+      <mc:AlternateContent xmlns:mc="http://schemas.openxmlformats.org/markup-compatibility/2006" xmlns:p14="http://schemas.microsoft.com/office/powerpoint/2010/main">
+        <mc:Choice Requires="p14">
           <p:contentPart p14:bwMode="auto" r:id="rId14">
             <p14:nvContentPartPr>
               <p14:cNvPr id="246" name="Ink 245">
@@ -7238,7 +7238,7 @@
             </p14:xfrm>
           </p:contentPart>
         </mc:Choice>
-        <mc:Fallback>
+        <mc:Fallback xmlns="">
           <p:pic>
             <p:nvPicPr>
               <p:cNvPr id="246" name="Ink 245">
@@ -7269,8 +7269,8 @@
           </p:pic>
         </mc:Fallback>
       </mc:AlternateContent>
-      <mc:AlternateContent xmlns:mc="http://schemas.openxmlformats.org/markup-compatibility/2006">
-        <mc:Choice xmlns:p14="http://schemas.microsoft.com/office/powerpoint/2010/main" Requires="p14">
+      <mc:AlternateContent xmlns:mc="http://schemas.openxmlformats.org/markup-compatibility/2006" xmlns:p14="http://schemas.microsoft.com/office/powerpoint/2010/main">
+        <mc:Choice Requires="p14">
           <p:contentPart p14:bwMode="auto" r:id="rId15">
             <p14:nvContentPartPr>
               <p14:cNvPr id="247" name="Ink 246">
@@ -7289,7 +7289,7 @@
             </p14:xfrm>
           </p:contentPart>
         </mc:Choice>
-        <mc:Fallback>
+        <mc:Fallback xmlns="">
           <p:pic>
             <p:nvPicPr>
               <p:cNvPr id="247" name="Ink 246">
@@ -7320,8 +7320,8 @@
           </p:pic>
         </mc:Fallback>
       </mc:AlternateContent>
-      <mc:AlternateContent xmlns:mc="http://schemas.openxmlformats.org/markup-compatibility/2006">
-        <mc:Choice xmlns:p14="http://schemas.microsoft.com/office/powerpoint/2010/main" Requires="p14">
+      <mc:AlternateContent xmlns:mc="http://schemas.openxmlformats.org/markup-compatibility/2006" xmlns:p14="http://schemas.microsoft.com/office/powerpoint/2010/main">
+        <mc:Choice Requires="p14">
           <p:contentPart p14:bwMode="auto" r:id="rId16">
             <p14:nvContentPartPr>
               <p14:cNvPr id="248" name="Ink 247">
@@ -7340,7 +7340,7 @@
             </p14:xfrm>
           </p:contentPart>
         </mc:Choice>
-        <mc:Fallback>
+        <mc:Fallback xmlns="">
           <p:pic>
             <p:nvPicPr>
               <p:cNvPr id="248" name="Ink 247">
@@ -7371,8 +7371,8 @@
           </p:pic>
         </mc:Fallback>
       </mc:AlternateContent>
-      <mc:AlternateContent xmlns:mc="http://schemas.openxmlformats.org/markup-compatibility/2006">
-        <mc:Choice xmlns:p14="http://schemas.microsoft.com/office/powerpoint/2010/main" Requires="p14">
+      <mc:AlternateContent xmlns:mc="http://schemas.openxmlformats.org/markup-compatibility/2006" xmlns:p14="http://schemas.microsoft.com/office/powerpoint/2010/main">
+        <mc:Choice Requires="p14">
           <p:contentPart p14:bwMode="auto" r:id="rId17">
             <p14:nvContentPartPr>
               <p14:cNvPr id="249" name="Ink 248">
@@ -7391,7 +7391,7 @@
             </p14:xfrm>
           </p:contentPart>
         </mc:Choice>
-        <mc:Fallback>
+        <mc:Fallback xmlns="">
           <p:pic>
             <p:nvPicPr>
               <p:cNvPr id="249" name="Ink 248">
@@ -7422,8 +7422,8 @@
           </p:pic>
         </mc:Fallback>
       </mc:AlternateContent>
-      <mc:AlternateContent xmlns:mc="http://schemas.openxmlformats.org/markup-compatibility/2006">
-        <mc:Choice xmlns:p14="http://schemas.microsoft.com/office/powerpoint/2010/main" Requires="p14">
+      <mc:AlternateContent xmlns:mc="http://schemas.openxmlformats.org/markup-compatibility/2006" xmlns:p14="http://schemas.microsoft.com/office/powerpoint/2010/main">
+        <mc:Choice Requires="p14">
           <p:contentPart p14:bwMode="auto" r:id="rId18">
             <p14:nvContentPartPr>
               <p14:cNvPr id="250" name="Ink 249">
@@ -7442,7 +7442,7 @@
             </p14:xfrm>
           </p:contentPart>
         </mc:Choice>
-        <mc:Fallback>
+        <mc:Fallback xmlns="">
           <p:pic>
             <p:nvPicPr>
               <p:cNvPr id="250" name="Ink 249">
@@ -7473,8 +7473,8 @@
           </p:pic>
         </mc:Fallback>
       </mc:AlternateContent>
-      <mc:AlternateContent xmlns:mc="http://schemas.openxmlformats.org/markup-compatibility/2006">
-        <mc:Choice xmlns:p14="http://schemas.microsoft.com/office/powerpoint/2010/main" Requires="p14">
+      <mc:AlternateContent xmlns:mc="http://schemas.openxmlformats.org/markup-compatibility/2006" xmlns:p14="http://schemas.microsoft.com/office/powerpoint/2010/main">
+        <mc:Choice Requires="p14">
           <p:contentPart p14:bwMode="auto" r:id="rId19">
             <p14:nvContentPartPr>
               <p14:cNvPr id="251" name="Ink 250">
@@ -7493,7 +7493,7 @@
             </p14:xfrm>
           </p:contentPart>
         </mc:Choice>
-        <mc:Fallback>
+        <mc:Fallback xmlns="">
           <p:pic>
             <p:nvPicPr>
               <p:cNvPr id="251" name="Ink 250">
@@ -7524,8 +7524,8 @@
           </p:pic>
         </mc:Fallback>
       </mc:AlternateContent>
-      <mc:AlternateContent xmlns:mc="http://schemas.openxmlformats.org/markup-compatibility/2006">
-        <mc:Choice xmlns:p14="http://schemas.microsoft.com/office/powerpoint/2010/main" Requires="p14">
+      <mc:AlternateContent xmlns:mc="http://schemas.openxmlformats.org/markup-compatibility/2006" xmlns:p14="http://schemas.microsoft.com/office/powerpoint/2010/main">
+        <mc:Choice Requires="p14">
           <p:contentPart p14:bwMode="auto" r:id="rId20">
             <p14:nvContentPartPr>
               <p14:cNvPr id="252" name="Ink 251">
@@ -7544,7 +7544,7 @@
             </p14:xfrm>
           </p:contentPart>
         </mc:Choice>
-        <mc:Fallback>
+        <mc:Fallback xmlns="">
           <p:pic>
             <p:nvPicPr>
               <p:cNvPr id="252" name="Ink 251">
@@ -7575,8 +7575,8 @@
           </p:pic>
         </mc:Fallback>
       </mc:AlternateContent>
-      <mc:AlternateContent xmlns:mc="http://schemas.openxmlformats.org/markup-compatibility/2006">
-        <mc:Choice xmlns:p14="http://schemas.microsoft.com/office/powerpoint/2010/main" Requires="p14">
+      <mc:AlternateContent xmlns:mc="http://schemas.openxmlformats.org/markup-compatibility/2006" xmlns:p14="http://schemas.microsoft.com/office/powerpoint/2010/main">
+        <mc:Choice Requires="p14">
           <p:contentPart p14:bwMode="auto" r:id="rId21">
             <p14:nvContentPartPr>
               <p14:cNvPr id="253" name="Ink 252">
@@ -7595,7 +7595,7 @@
             </p14:xfrm>
           </p:contentPart>
         </mc:Choice>
-        <mc:Fallback>
+        <mc:Fallback xmlns="">
           <p:pic>
             <p:nvPicPr>
               <p:cNvPr id="253" name="Ink 252">
@@ -7626,8 +7626,8 @@
           </p:pic>
         </mc:Fallback>
       </mc:AlternateContent>
-      <mc:AlternateContent xmlns:mc="http://schemas.openxmlformats.org/markup-compatibility/2006">
-        <mc:Choice xmlns:p14="http://schemas.microsoft.com/office/powerpoint/2010/main" Requires="p14">
+      <mc:AlternateContent xmlns:mc="http://schemas.openxmlformats.org/markup-compatibility/2006" xmlns:p14="http://schemas.microsoft.com/office/powerpoint/2010/main">
+        <mc:Choice Requires="p14">
           <p:contentPart p14:bwMode="auto" r:id="rId22">
             <p14:nvContentPartPr>
               <p14:cNvPr id="254" name="Ink 253">
@@ -7646,7 +7646,7 @@
             </p14:xfrm>
           </p:contentPart>
         </mc:Choice>
-        <mc:Fallback>
+        <mc:Fallback xmlns="">
           <p:pic>
             <p:nvPicPr>
               <p:cNvPr id="254" name="Ink 253">
@@ -7677,8 +7677,8 @@
           </p:pic>
         </mc:Fallback>
       </mc:AlternateContent>
-      <mc:AlternateContent xmlns:mc="http://schemas.openxmlformats.org/markup-compatibility/2006">
-        <mc:Choice xmlns:p14="http://schemas.microsoft.com/office/powerpoint/2010/main" Requires="p14">
+      <mc:AlternateContent xmlns:mc="http://schemas.openxmlformats.org/markup-compatibility/2006" xmlns:p14="http://schemas.microsoft.com/office/powerpoint/2010/main">
+        <mc:Choice Requires="p14">
           <p:contentPart p14:bwMode="auto" r:id="rId23">
             <p14:nvContentPartPr>
               <p14:cNvPr id="255" name="Ink 254">
@@ -7697,7 +7697,7 @@
             </p14:xfrm>
           </p:contentPart>
         </mc:Choice>
-        <mc:Fallback>
+        <mc:Fallback xmlns="">
           <p:pic>
             <p:nvPicPr>
               <p:cNvPr id="255" name="Ink 254">
@@ -7728,8 +7728,8 @@
           </p:pic>
         </mc:Fallback>
       </mc:AlternateContent>
-      <mc:AlternateContent xmlns:mc="http://schemas.openxmlformats.org/markup-compatibility/2006">
-        <mc:Choice xmlns:p14="http://schemas.microsoft.com/office/powerpoint/2010/main" Requires="p14">
+      <mc:AlternateContent xmlns:mc="http://schemas.openxmlformats.org/markup-compatibility/2006" xmlns:p14="http://schemas.microsoft.com/office/powerpoint/2010/main">
+        <mc:Choice Requires="p14">
           <p:contentPart p14:bwMode="auto" r:id="rId24">
             <p14:nvContentPartPr>
               <p14:cNvPr id="256" name="Ink 255">
@@ -7748,7 +7748,7 @@
             </p14:xfrm>
           </p:contentPart>
         </mc:Choice>
-        <mc:Fallback>
+        <mc:Fallback xmlns="">
           <p:pic>
             <p:nvPicPr>
               <p:cNvPr id="256" name="Ink 255">
@@ -7779,8 +7779,8 @@
           </p:pic>
         </mc:Fallback>
       </mc:AlternateContent>
-      <mc:AlternateContent xmlns:mc="http://schemas.openxmlformats.org/markup-compatibility/2006">
-        <mc:Choice xmlns:p14="http://schemas.microsoft.com/office/powerpoint/2010/main" Requires="p14">
+      <mc:AlternateContent xmlns:mc="http://schemas.openxmlformats.org/markup-compatibility/2006" xmlns:p14="http://schemas.microsoft.com/office/powerpoint/2010/main">
+        <mc:Choice Requires="p14">
           <p:contentPart p14:bwMode="auto" r:id="rId26">
             <p14:nvContentPartPr>
               <p14:cNvPr id="257" name="Ink 256">
@@ -7799,7 +7799,7 @@
             </p14:xfrm>
           </p:contentPart>
         </mc:Choice>
-        <mc:Fallback>
+        <mc:Fallback xmlns="">
           <p:pic>
             <p:nvPicPr>
               <p:cNvPr id="257" name="Ink 256">
@@ -7830,8 +7830,8 @@
           </p:pic>
         </mc:Fallback>
       </mc:AlternateContent>
-      <mc:AlternateContent xmlns:mc="http://schemas.openxmlformats.org/markup-compatibility/2006">
-        <mc:Choice xmlns:p14="http://schemas.microsoft.com/office/powerpoint/2010/main" Requires="p14">
+      <mc:AlternateContent xmlns:mc="http://schemas.openxmlformats.org/markup-compatibility/2006" xmlns:p14="http://schemas.microsoft.com/office/powerpoint/2010/main">
+        <mc:Choice Requires="p14">
           <p:contentPart p14:bwMode="auto" r:id="rId27">
             <p14:nvContentPartPr>
               <p14:cNvPr id="258" name="Ink 257">
@@ -7850,7 +7850,7 @@
             </p14:xfrm>
           </p:contentPart>
         </mc:Choice>
-        <mc:Fallback>
+        <mc:Fallback xmlns="">
           <p:pic>
             <p:nvPicPr>
               <p:cNvPr id="258" name="Ink 257">
@@ -7895,8 +7895,8 @@
         </p:nvSpPr>
         <p:spPr>
           <a:xfrm>
-            <a:off x="5437508" y="5401615"/>
-            <a:ext cx="1012008" cy="369332"/>
+            <a:off x="5527568" y="5418495"/>
+            <a:ext cx="1109984" cy="369332"/>
           </a:xfrm>
           <a:prstGeom prst="rect">
             <a:avLst/>
@@ -7911,7 +7911,7 @@
           <a:p>
             <a:r>
               <a:rPr lang="en-US" dirty="0"/>
-              <a:t>Measure</a:t>
+              <a:t>Effect size</a:t>
             </a:r>
           </a:p>
         </p:txBody>
@@ -7971,8 +7971,8 @@
             <a:chExt cx="2943467" cy="5620777"/>
           </a:xfrm>
         </p:grpSpPr>
-        <mc:AlternateContent xmlns:mc="http://schemas.openxmlformats.org/markup-compatibility/2006">
-          <mc:Choice xmlns:p14="http://schemas.microsoft.com/office/powerpoint/2010/main" Requires="p14">
+        <mc:AlternateContent xmlns:mc="http://schemas.openxmlformats.org/markup-compatibility/2006" xmlns:p14="http://schemas.microsoft.com/office/powerpoint/2010/main">
+          <mc:Choice Requires="p14">
             <p:contentPart p14:bwMode="auto" r:id="rId28">
               <p14:nvContentPartPr>
                 <p14:cNvPr id="168" name="Ink 167">
@@ -7991,7 +7991,7 @@
               </p14:xfrm>
             </p:contentPart>
           </mc:Choice>
-          <mc:Fallback>
+          <mc:Fallback xmlns="">
             <p:pic>
               <p:nvPicPr>
                 <p:cNvPr id="168" name="Ink 167">
@@ -8022,8 +8022,8 @@
             </p:pic>
           </mc:Fallback>
         </mc:AlternateContent>
-        <mc:AlternateContent xmlns:mc="http://schemas.openxmlformats.org/markup-compatibility/2006">
-          <mc:Choice xmlns:p14="http://schemas.microsoft.com/office/powerpoint/2010/main" Requires="p14">
+        <mc:AlternateContent xmlns:mc="http://schemas.openxmlformats.org/markup-compatibility/2006" xmlns:p14="http://schemas.microsoft.com/office/powerpoint/2010/main">
+          <mc:Choice Requires="p14">
             <p:contentPart p14:bwMode="auto" r:id="rId30">
               <p14:nvContentPartPr>
                 <p14:cNvPr id="169" name="Ink 168">
@@ -8042,7 +8042,7 @@
               </p14:xfrm>
             </p:contentPart>
           </mc:Choice>
-          <mc:Fallback>
+          <mc:Fallback xmlns="">
             <p:pic>
               <p:nvPicPr>
                 <p:cNvPr id="169" name="Ink 168">
@@ -8113,8 +8113,8 @@
                 <a:chExt cx="61560" cy="1716480"/>
               </a:xfrm>
             </p:grpSpPr>
-            <mc:AlternateContent xmlns:mc="http://schemas.openxmlformats.org/markup-compatibility/2006">
-              <mc:Choice xmlns:p14="http://schemas.microsoft.com/office/powerpoint/2010/main" Requires="p14">
+            <mc:AlternateContent xmlns:mc="http://schemas.openxmlformats.org/markup-compatibility/2006" xmlns:p14="http://schemas.microsoft.com/office/powerpoint/2010/main">
+              <mc:Choice Requires="p14">
                 <p:contentPart p14:bwMode="auto" r:id="rId31">
                   <p14:nvContentPartPr>
                     <p14:cNvPr id="204" name="Ink 203">
@@ -8133,7 +8133,7 @@
                   </p14:xfrm>
                 </p:contentPart>
               </mc:Choice>
-              <mc:Fallback>
+              <mc:Fallback xmlns="">
                 <p:pic>
                   <p:nvPicPr>
                     <p:cNvPr id="204" name="Ink 203">
@@ -8164,8 +8164,8 @@
                 </p:pic>
               </mc:Fallback>
             </mc:AlternateContent>
-            <mc:AlternateContent xmlns:mc="http://schemas.openxmlformats.org/markup-compatibility/2006">
-              <mc:Choice xmlns:p14="http://schemas.microsoft.com/office/powerpoint/2010/main" Requires="p14">
+            <mc:AlternateContent xmlns:mc="http://schemas.openxmlformats.org/markup-compatibility/2006" xmlns:p14="http://schemas.microsoft.com/office/powerpoint/2010/main">
+              <mc:Choice Requires="p14">
                 <p:contentPart p14:bwMode="auto" r:id="rId33">
                   <p14:nvContentPartPr>
                     <p14:cNvPr id="205" name="Ink 204">
@@ -8184,7 +8184,7 @@
                   </p14:xfrm>
                 </p:contentPart>
               </mc:Choice>
-              <mc:Fallback>
+              <mc:Fallback xmlns="">
                 <p:pic>
                   <p:nvPicPr>
                     <p:cNvPr id="205" name="Ink 204">
@@ -8215,8 +8215,8 @@
                 </p:pic>
               </mc:Fallback>
             </mc:AlternateContent>
-            <mc:AlternateContent xmlns:mc="http://schemas.openxmlformats.org/markup-compatibility/2006">
-              <mc:Choice xmlns:p14="http://schemas.microsoft.com/office/powerpoint/2010/main" Requires="p14">
+            <mc:AlternateContent xmlns:mc="http://schemas.openxmlformats.org/markup-compatibility/2006" xmlns:p14="http://schemas.microsoft.com/office/powerpoint/2010/main">
+              <mc:Choice Requires="p14">
                 <p:contentPart p14:bwMode="auto" r:id="rId35">
                   <p14:nvContentPartPr>
                     <p14:cNvPr id="206" name="Ink 205">
@@ -8235,7 +8235,7 @@
                   </p14:xfrm>
                 </p:contentPart>
               </mc:Choice>
-              <mc:Fallback>
+              <mc:Fallback xmlns="">
                 <p:pic>
                   <p:nvPicPr>
                     <p:cNvPr id="206" name="Ink 205">
@@ -8266,8 +8266,8 @@
                 </p:pic>
               </mc:Fallback>
             </mc:AlternateContent>
-            <mc:AlternateContent xmlns:mc="http://schemas.openxmlformats.org/markup-compatibility/2006">
-              <mc:Choice xmlns:p14="http://schemas.microsoft.com/office/powerpoint/2010/main" Requires="p14">
+            <mc:AlternateContent xmlns:mc="http://schemas.openxmlformats.org/markup-compatibility/2006" xmlns:p14="http://schemas.microsoft.com/office/powerpoint/2010/main">
+              <mc:Choice Requires="p14">
                 <p:contentPart p14:bwMode="auto" r:id="rId37">
                   <p14:nvContentPartPr>
                     <p14:cNvPr id="207" name="Ink 206">
@@ -8286,7 +8286,7 @@
                   </p14:xfrm>
                 </p:contentPart>
               </mc:Choice>
-              <mc:Fallback>
+              <mc:Fallback xmlns="">
                 <p:pic>
                   <p:nvPicPr>
                     <p:cNvPr id="207" name="Ink 206">
@@ -8317,8 +8317,8 @@
                 </p:pic>
               </mc:Fallback>
             </mc:AlternateContent>
-            <mc:AlternateContent xmlns:mc="http://schemas.openxmlformats.org/markup-compatibility/2006">
-              <mc:Choice xmlns:p14="http://schemas.microsoft.com/office/powerpoint/2010/main" Requires="p14">
+            <mc:AlternateContent xmlns:mc="http://schemas.openxmlformats.org/markup-compatibility/2006" xmlns:p14="http://schemas.microsoft.com/office/powerpoint/2010/main">
+              <mc:Choice Requires="p14">
                 <p:contentPart p14:bwMode="auto" r:id="rId39">
                   <p14:nvContentPartPr>
                     <p14:cNvPr id="208" name="Ink 207">
@@ -8337,7 +8337,7 @@
                   </p14:xfrm>
                 </p:contentPart>
               </mc:Choice>
-              <mc:Fallback>
+              <mc:Fallback xmlns="">
                 <p:pic>
                   <p:nvPicPr>
                     <p:cNvPr id="208" name="Ink 207">
@@ -8368,8 +8368,8 @@
                 </p:pic>
               </mc:Fallback>
             </mc:AlternateContent>
-            <mc:AlternateContent xmlns:mc="http://schemas.openxmlformats.org/markup-compatibility/2006">
-              <mc:Choice xmlns:p14="http://schemas.microsoft.com/office/powerpoint/2010/main" Requires="p14">
+            <mc:AlternateContent xmlns:mc="http://schemas.openxmlformats.org/markup-compatibility/2006" xmlns:p14="http://schemas.microsoft.com/office/powerpoint/2010/main">
+              <mc:Choice Requires="p14">
                 <p:contentPart p14:bwMode="auto" r:id="rId41">
                   <p14:nvContentPartPr>
                     <p14:cNvPr id="209" name="Ink 208">
@@ -8388,7 +8388,7 @@
                   </p14:xfrm>
                 </p:contentPart>
               </mc:Choice>
-              <mc:Fallback>
+              <mc:Fallback xmlns="">
                 <p:pic>
                   <p:nvPicPr>
                     <p:cNvPr id="209" name="Ink 208">
@@ -8419,8 +8419,8 @@
                 </p:pic>
               </mc:Fallback>
             </mc:AlternateContent>
-            <mc:AlternateContent xmlns:mc="http://schemas.openxmlformats.org/markup-compatibility/2006">
-              <mc:Choice xmlns:p14="http://schemas.microsoft.com/office/powerpoint/2010/main" Requires="p14">
+            <mc:AlternateContent xmlns:mc="http://schemas.openxmlformats.org/markup-compatibility/2006" xmlns:p14="http://schemas.microsoft.com/office/powerpoint/2010/main">
+              <mc:Choice Requires="p14">
                 <p:contentPart p14:bwMode="auto" r:id="rId43">
                   <p14:nvContentPartPr>
                     <p14:cNvPr id="210" name="Ink 209">
@@ -8439,7 +8439,7 @@
                   </p14:xfrm>
                 </p:contentPart>
               </mc:Choice>
-              <mc:Fallback>
+              <mc:Fallback xmlns="">
                 <p:pic>
                   <p:nvPicPr>
                     <p:cNvPr id="210" name="Ink 209">
@@ -8470,8 +8470,8 @@
                 </p:pic>
               </mc:Fallback>
             </mc:AlternateContent>
-            <mc:AlternateContent xmlns:mc="http://schemas.openxmlformats.org/markup-compatibility/2006">
-              <mc:Choice xmlns:p14="http://schemas.microsoft.com/office/powerpoint/2010/main" Requires="p14">
+            <mc:AlternateContent xmlns:mc="http://schemas.openxmlformats.org/markup-compatibility/2006" xmlns:p14="http://schemas.microsoft.com/office/powerpoint/2010/main">
+              <mc:Choice Requires="p14">
                 <p:contentPart p14:bwMode="auto" r:id="rId45">
                   <p14:nvContentPartPr>
                     <p14:cNvPr id="211" name="Ink 210">
@@ -8490,7 +8490,7 @@
                   </p14:xfrm>
                 </p:contentPart>
               </mc:Choice>
-              <mc:Fallback>
+              <mc:Fallback xmlns="">
                 <p:pic>
                   <p:nvPicPr>
                     <p:cNvPr id="211" name="Ink 210">
@@ -8521,8 +8521,8 @@
                 </p:pic>
               </mc:Fallback>
             </mc:AlternateContent>
-            <mc:AlternateContent xmlns:mc="http://schemas.openxmlformats.org/markup-compatibility/2006">
-              <mc:Choice xmlns:p14="http://schemas.microsoft.com/office/powerpoint/2010/main" Requires="p14">
+            <mc:AlternateContent xmlns:mc="http://schemas.openxmlformats.org/markup-compatibility/2006" xmlns:p14="http://schemas.microsoft.com/office/powerpoint/2010/main">
+              <mc:Choice Requires="p14">
                 <p:contentPart p14:bwMode="auto" r:id="rId47">
                   <p14:nvContentPartPr>
                     <p14:cNvPr id="212" name="Ink 211">
@@ -8541,7 +8541,7 @@
                   </p14:xfrm>
                 </p:contentPart>
               </mc:Choice>
-              <mc:Fallback>
+              <mc:Fallback xmlns="">
                 <p:pic>
                   <p:nvPicPr>
                     <p:cNvPr id="212" name="Ink 211">
@@ -8573,8 +8573,8 @@
               </mc:Fallback>
             </mc:AlternateContent>
           </p:grpSp>
-          <mc:AlternateContent xmlns:mc="http://schemas.openxmlformats.org/markup-compatibility/2006">
-            <mc:Choice xmlns:p14="http://schemas.microsoft.com/office/powerpoint/2010/main" Requires="p14">
+          <mc:AlternateContent xmlns:mc="http://schemas.openxmlformats.org/markup-compatibility/2006" xmlns:p14="http://schemas.microsoft.com/office/powerpoint/2010/main">
+            <mc:Choice Requires="p14">
               <p:contentPart p14:bwMode="auto" r:id="rId49">
                 <p14:nvContentPartPr>
                   <p14:cNvPr id="202" name="Ink 201">
@@ -8593,7 +8593,7 @@
                 </p14:xfrm>
               </p:contentPart>
             </mc:Choice>
-            <mc:Fallback>
+            <mc:Fallback xmlns="">
               <p:pic>
                 <p:nvPicPr>
                   <p:cNvPr id="202" name="Ink 201">
@@ -8624,8 +8624,8 @@
               </p:pic>
             </mc:Fallback>
           </mc:AlternateContent>
-          <mc:AlternateContent xmlns:mc="http://schemas.openxmlformats.org/markup-compatibility/2006">
-            <mc:Choice xmlns:p14="http://schemas.microsoft.com/office/powerpoint/2010/main" Requires="p14">
+          <mc:AlternateContent xmlns:mc="http://schemas.openxmlformats.org/markup-compatibility/2006" xmlns:p14="http://schemas.microsoft.com/office/powerpoint/2010/main">
+            <mc:Choice Requires="p14">
               <p:contentPart p14:bwMode="auto" r:id="rId51">
                 <p14:nvContentPartPr>
                   <p14:cNvPr id="203" name="Ink 202">
@@ -8644,7 +8644,7 @@
                 </p14:xfrm>
               </p:contentPart>
             </mc:Choice>
-            <mc:Fallback>
+            <mc:Fallback xmlns="">
               <p:pic>
                 <p:nvPicPr>
                   <p:cNvPr id="203" name="Ink 202">
@@ -8716,8 +8716,8 @@
                 <a:chExt cx="61560" cy="1716480"/>
               </a:xfrm>
             </p:grpSpPr>
-            <mc:AlternateContent xmlns:mc="http://schemas.openxmlformats.org/markup-compatibility/2006">
-              <mc:Choice xmlns:p14="http://schemas.microsoft.com/office/powerpoint/2010/main" Requires="p14">
+            <mc:AlternateContent xmlns:mc="http://schemas.openxmlformats.org/markup-compatibility/2006" xmlns:p14="http://schemas.microsoft.com/office/powerpoint/2010/main">
+              <mc:Choice Requires="p14">
                 <p:contentPart p14:bwMode="auto" r:id="rId53">
                   <p14:nvContentPartPr>
                     <p14:cNvPr id="230" name="Ink 229">
@@ -8736,7 +8736,7 @@
                   </p14:xfrm>
                 </p:contentPart>
               </mc:Choice>
-              <mc:Fallback>
+              <mc:Fallback xmlns="">
                 <p:pic>
                   <p:nvPicPr>
                     <p:cNvPr id="230" name="Ink 229">
@@ -8767,8 +8767,8 @@
                 </p:pic>
               </mc:Fallback>
             </mc:AlternateContent>
-            <mc:AlternateContent xmlns:mc="http://schemas.openxmlformats.org/markup-compatibility/2006">
-              <mc:Choice xmlns:p14="http://schemas.microsoft.com/office/powerpoint/2010/main" Requires="p14">
+            <mc:AlternateContent xmlns:mc="http://schemas.openxmlformats.org/markup-compatibility/2006" xmlns:p14="http://schemas.microsoft.com/office/powerpoint/2010/main">
+              <mc:Choice Requires="p14">
                 <p:contentPart p14:bwMode="auto" r:id="rId54">
                   <p14:nvContentPartPr>
                     <p14:cNvPr id="231" name="Ink 230">
@@ -8787,7 +8787,7 @@
                   </p14:xfrm>
                 </p:contentPart>
               </mc:Choice>
-              <mc:Fallback>
+              <mc:Fallback xmlns="">
                 <p:pic>
                   <p:nvPicPr>
                     <p:cNvPr id="231" name="Ink 230">
@@ -8818,8 +8818,8 @@
                 </p:pic>
               </mc:Fallback>
             </mc:AlternateContent>
-            <mc:AlternateContent xmlns:mc="http://schemas.openxmlformats.org/markup-compatibility/2006">
-              <mc:Choice xmlns:p14="http://schemas.microsoft.com/office/powerpoint/2010/main" Requires="p14">
+            <mc:AlternateContent xmlns:mc="http://schemas.openxmlformats.org/markup-compatibility/2006" xmlns:p14="http://schemas.microsoft.com/office/powerpoint/2010/main">
+              <mc:Choice Requires="p14">
                 <p:contentPart p14:bwMode="auto" r:id="rId55">
                   <p14:nvContentPartPr>
                     <p14:cNvPr id="232" name="Ink 231">
@@ -8838,7 +8838,7 @@
                   </p14:xfrm>
                 </p:contentPart>
               </mc:Choice>
-              <mc:Fallback>
+              <mc:Fallback xmlns="">
                 <p:pic>
                   <p:nvPicPr>
                     <p:cNvPr id="232" name="Ink 231">
@@ -8869,8 +8869,8 @@
                 </p:pic>
               </mc:Fallback>
             </mc:AlternateContent>
-            <mc:AlternateContent xmlns:mc="http://schemas.openxmlformats.org/markup-compatibility/2006">
-              <mc:Choice xmlns:p14="http://schemas.microsoft.com/office/powerpoint/2010/main" Requires="p14">
+            <mc:AlternateContent xmlns:mc="http://schemas.openxmlformats.org/markup-compatibility/2006" xmlns:p14="http://schemas.microsoft.com/office/powerpoint/2010/main">
+              <mc:Choice Requires="p14">
                 <p:contentPart p14:bwMode="auto" r:id="rId56">
                   <p14:nvContentPartPr>
                     <p14:cNvPr id="233" name="Ink 232">
@@ -8889,7 +8889,7 @@
                   </p14:xfrm>
                 </p:contentPart>
               </mc:Choice>
-              <mc:Fallback>
+              <mc:Fallback xmlns="">
                 <p:pic>
                   <p:nvPicPr>
                     <p:cNvPr id="233" name="Ink 232">
@@ -8920,8 +8920,8 @@
                 </p:pic>
               </mc:Fallback>
             </mc:AlternateContent>
-            <mc:AlternateContent xmlns:mc="http://schemas.openxmlformats.org/markup-compatibility/2006">
-              <mc:Choice xmlns:p14="http://schemas.microsoft.com/office/powerpoint/2010/main" Requires="p14">
+            <mc:AlternateContent xmlns:mc="http://schemas.openxmlformats.org/markup-compatibility/2006" xmlns:p14="http://schemas.microsoft.com/office/powerpoint/2010/main">
+              <mc:Choice Requires="p14">
                 <p:contentPart p14:bwMode="auto" r:id="rId57">
                   <p14:nvContentPartPr>
                     <p14:cNvPr id="234" name="Ink 233">
@@ -8940,7 +8940,7 @@
                   </p14:xfrm>
                 </p:contentPart>
               </mc:Choice>
-              <mc:Fallback>
+              <mc:Fallback xmlns="">
                 <p:pic>
                   <p:nvPicPr>
                     <p:cNvPr id="234" name="Ink 233">
@@ -8971,8 +8971,8 @@
                 </p:pic>
               </mc:Fallback>
             </mc:AlternateContent>
-            <mc:AlternateContent xmlns:mc="http://schemas.openxmlformats.org/markup-compatibility/2006">
-              <mc:Choice xmlns:p14="http://schemas.microsoft.com/office/powerpoint/2010/main" Requires="p14">
+            <mc:AlternateContent xmlns:mc="http://schemas.openxmlformats.org/markup-compatibility/2006" xmlns:p14="http://schemas.microsoft.com/office/powerpoint/2010/main">
+              <mc:Choice Requires="p14">
                 <p:contentPart p14:bwMode="auto" r:id="rId58">
                   <p14:nvContentPartPr>
                     <p14:cNvPr id="235" name="Ink 234">
@@ -8991,7 +8991,7 @@
                   </p14:xfrm>
                 </p:contentPart>
               </mc:Choice>
-              <mc:Fallback>
+              <mc:Fallback xmlns="">
                 <p:pic>
                   <p:nvPicPr>
                     <p:cNvPr id="235" name="Ink 234">
@@ -9022,8 +9022,8 @@
                 </p:pic>
               </mc:Fallback>
             </mc:AlternateContent>
-            <mc:AlternateContent xmlns:mc="http://schemas.openxmlformats.org/markup-compatibility/2006">
-              <mc:Choice xmlns:p14="http://schemas.microsoft.com/office/powerpoint/2010/main" Requires="p14">
+            <mc:AlternateContent xmlns:mc="http://schemas.openxmlformats.org/markup-compatibility/2006" xmlns:p14="http://schemas.microsoft.com/office/powerpoint/2010/main">
+              <mc:Choice Requires="p14">
                 <p:contentPart p14:bwMode="auto" r:id="rId59">
                   <p14:nvContentPartPr>
                     <p14:cNvPr id="236" name="Ink 235">
@@ -9042,7 +9042,7 @@
                   </p14:xfrm>
                 </p:contentPart>
               </mc:Choice>
-              <mc:Fallback>
+              <mc:Fallback xmlns="">
                 <p:pic>
                   <p:nvPicPr>
                     <p:cNvPr id="236" name="Ink 235">
@@ -9073,8 +9073,8 @@
                 </p:pic>
               </mc:Fallback>
             </mc:AlternateContent>
-            <mc:AlternateContent xmlns:mc="http://schemas.openxmlformats.org/markup-compatibility/2006">
-              <mc:Choice xmlns:p14="http://schemas.microsoft.com/office/powerpoint/2010/main" Requires="p14">
+            <mc:AlternateContent xmlns:mc="http://schemas.openxmlformats.org/markup-compatibility/2006" xmlns:p14="http://schemas.microsoft.com/office/powerpoint/2010/main">
+              <mc:Choice Requires="p14">
                 <p:contentPart p14:bwMode="auto" r:id="rId60">
                   <p14:nvContentPartPr>
                     <p14:cNvPr id="237" name="Ink 236">
@@ -9093,7 +9093,7 @@
                   </p14:xfrm>
                 </p:contentPart>
               </mc:Choice>
-              <mc:Fallback>
+              <mc:Fallback xmlns="">
                 <p:pic>
                   <p:nvPicPr>
                     <p:cNvPr id="237" name="Ink 236">
@@ -9124,8 +9124,8 @@
                 </p:pic>
               </mc:Fallback>
             </mc:AlternateContent>
-            <mc:AlternateContent xmlns:mc="http://schemas.openxmlformats.org/markup-compatibility/2006">
-              <mc:Choice xmlns:p14="http://schemas.microsoft.com/office/powerpoint/2010/main" Requires="p14">
+            <mc:AlternateContent xmlns:mc="http://schemas.openxmlformats.org/markup-compatibility/2006" xmlns:p14="http://schemas.microsoft.com/office/powerpoint/2010/main">
+              <mc:Choice Requires="p14">
                 <p:contentPart p14:bwMode="auto" r:id="rId61">
                   <p14:nvContentPartPr>
                     <p14:cNvPr id="238" name="Ink 237">
@@ -9144,7 +9144,7 @@
                   </p14:xfrm>
                 </p:contentPart>
               </mc:Choice>
-              <mc:Fallback>
+              <mc:Fallback xmlns="">
                 <p:pic>
                   <p:nvPicPr>
                     <p:cNvPr id="238" name="Ink 237">
@@ -9176,8 +9176,8 @@
               </mc:Fallback>
             </mc:AlternateContent>
           </p:grpSp>
-          <mc:AlternateContent xmlns:mc="http://schemas.openxmlformats.org/markup-compatibility/2006">
-            <mc:Choice xmlns:p14="http://schemas.microsoft.com/office/powerpoint/2010/main" Requires="p14">
+          <mc:AlternateContent xmlns:mc="http://schemas.openxmlformats.org/markup-compatibility/2006" xmlns:p14="http://schemas.microsoft.com/office/powerpoint/2010/main">
+            <mc:Choice Requires="p14">
               <p:contentPart p14:bwMode="auto" r:id="rId62">
                 <p14:nvContentPartPr>
                   <p14:cNvPr id="228" name="Ink 227">
@@ -9196,7 +9196,7 @@
                 </p14:xfrm>
               </p:contentPart>
             </mc:Choice>
-            <mc:Fallback>
+            <mc:Fallback xmlns="">
               <p:pic>
                 <p:nvPicPr>
                   <p:cNvPr id="228" name="Ink 227">
@@ -9227,8 +9227,8 @@
               </p:pic>
             </mc:Fallback>
           </mc:AlternateContent>
-          <mc:AlternateContent xmlns:mc="http://schemas.openxmlformats.org/markup-compatibility/2006">
-            <mc:Choice xmlns:p14="http://schemas.microsoft.com/office/powerpoint/2010/main" Requires="p14">
+          <mc:AlternateContent xmlns:mc="http://schemas.openxmlformats.org/markup-compatibility/2006" xmlns:p14="http://schemas.microsoft.com/office/powerpoint/2010/main">
+            <mc:Choice Requires="p14">
               <p:contentPart p14:bwMode="auto" r:id="rId63">
                 <p14:nvContentPartPr>
                   <p14:cNvPr id="229" name="Ink 228">
@@ -9247,7 +9247,7 @@
                 </p14:xfrm>
               </p:contentPart>
             </mc:Choice>
-            <mc:Fallback>
+            <mc:Fallback xmlns="">
               <p:pic>
                 <p:nvPicPr>
                   <p:cNvPr id="229" name="Ink 228">
@@ -9279,8 +9279,8 @@
             </mc:Fallback>
           </mc:AlternateContent>
         </p:grpSp>
-        <mc:AlternateContent xmlns:mc="http://schemas.openxmlformats.org/markup-compatibility/2006">
-          <mc:Choice xmlns:p14="http://schemas.microsoft.com/office/powerpoint/2010/main" Requires="p14">
+        <mc:AlternateContent xmlns:mc="http://schemas.openxmlformats.org/markup-compatibility/2006" xmlns:p14="http://schemas.microsoft.com/office/powerpoint/2010/main">
+          <mc:Choice Requires="p14">
             <p:contentPart p14:bwMode="auto" r:id="rId64">
               <p14:nvContentPartPr>
                 <p14:cNvPr id="259" name="Ink 258">
@@ -9299,7 +9299,7 @@
               </p14:xfrm>
             </p:contentPart>
           </mc:Choice>
-          <mc:Fallback>
+          <mc:Fallback xmlns="">
             <p:pic>
               <p:nvPicPr>
                 <p:cNvPr id="259" name="Ink 258">
@@ -9330,8 +9330,8 @@
             </p:pic>
           </mc:Fallback>
         </mc:AlternateContent>
-        <mc:AlternateContent xmlns:mc="http://schemas.openxmlformats.org/markup-compatibility/2006">
-          <mc:Choice xmlns:p14="http://schemas.microsoft.com/office/powerpoint/2010/main" Requires="p14">
+        <mc:AlternateContent xmlns:mc="http://schemas.openxmlformats.org/markup-compatibility/2006" xmlns:p14="http://schemas.microsoft.com/office/powerpoint/2010/main">
+          <mc:Choice Requires="p14">
             <p:contentPart p14:bwMode="auto" r:id="rId66">
               <p14:nvContentPartPr>
                 <p14:cNvPr id="262" name="Ink 261">
@@ -9350,7 +9350,7 @@
               </p14:xfrm>
             </p:contentPart>
           </mc:Choice>
-          <mc:Fallback>
+          <mc:Fallback xmlns="">
             <p:pic>
               <p:nvPicPr>
                 <p:cNvPr id="262" name="Ink 261">
@@ -9381,8 +9381,8 @@
             </p:pic>
           </mc:Fallback>
         </mc:AlternateContent>
-        <mc:AlternateContent xmlns:mc="http://schemas.openxmlformats.org/markup-compatibility/2006">
-          <mc:Choice xmlns:p14="http://schemas.microsoft.com/office/powerpoint/2010/main" Requires="p14">
+        <mc:AlternateContent xmlns:mc="http://schemas.openxmlformats.org/markup-compatibility/2006" xmlns:p14="http://schemas.microsoft.com/office/powerpoint/2010/main">
+          <mc:Choice Requires="p14">
             <p:contentPart p14:bwMode="auto" r:id="rId68">
               <p14:nvContentPartPr>
                 <p14:cNvPr id="271" name="Ink 270">
@@ -9401,7 +9401,7 @@
               </p14:xfrm>
             </p:contentPart>
           </mc:Choice>
-          <mc:Fallback>
+          <mc:Fallback xmlns="">
             <p:pic>
               <p:nvPicPr>
                 <p:cNvPr id="271" name="Ink 270">
@@ -9432,8 +9432,8 @@
             </p:pic>
           </mc:Fallback>
         </mc:AlternateContent>
-        <mc:AlternateContent xmlns:mc="http://schemas.openxmlformats.org/markup-compatibility/2006">
-          <mc:Choice xmlns:p14="http://schemas.microsoft.com/office/powerpoint/2010/main" Requires="p14">
+        <mc:AlternateContent xmlns:mc="http://schemas.openxmlformats.org/markup-compatibility/2006" xmlns:p14="http://schemas.microsoft.com/office/powerpoint/2010/main">
+          <mc:Choice Requires="p14">
             <p:contentPart p14:bwMode="auto" r:id="rId70">
               <p14:nvContentPartPr>
                 <p14:cNvPr id="273" name="Ink 272">
@@ -9452,7 +9452,7 @@
               </p14:xfrm>
             </p:contentPart>
           </mc:Choice>
-          <mc:Fallback>
+          <mc:Fallback xmlns="">
             <p:pic>
               <p:nvPicPr>
                 <p:cNvPr id="273" name="Ink 272">
@@ -9483,8 +9483,8 @@
             </p:pic>
           </mc:Fallback>
         </mc:AlternateContent>
-        <mc:AlternateContent xmlns:mc="http://schemas.openxmlformats.org/markup-compatibility/2006">
-          <mc:Choice xmlns:p14="http://schemas.microsoft.com/office/powerpoint/2010/main" Requires="p14">
+        <mc:AlternateContent xmlns:mc="http://schemas.openxmlformats.org/markup-compatibility/2006" xmlns:p14="http://schemas.microsoft.com/office/powerpoint/2010/main">
+          <mc:Choice Requires="p14">
             <p:contentPart p14:bwMode="auto" r:id="rId72">
               <p14:nvContentPartPr>
                 <p14:cNvPr id="276" name="Ink 275">
@@ -9503,7 +9503,7 @@
               </p14:xfrm>
             </p:contentPart>
           </mc:Choice>
-          <mc:Fallback>
+          <mc:Fallback xmlns="">
             <p:pic>
               <p:nvPicPr>
                 <p:cNvPr id="276" name="Ink 275">
@@ -9534,8 +9534,8 @@
             </p:pic>
           </mc:Fallback>
         </mc:AlternateContent>
-        <mc:AlternateContent xmlns:mc="http://schemas.openxmlformats.org/markup-compatibility/2006">
-          <mc:Choice xmlns:p14="http://schemas.microsoft.com/office/powerpoint/2010/main" Requires="p14">
+        <mc:AlternateContent xmlns:mc="http://schemas.openxmlformats.org/markup-compatibility/2006" xmlns:p14="http://schemas.microsoft.com/office/powerpoint/2010/main">
+          <mc:Choice Requires="p14">
             <p:contentPart p14:bwMode="auto" r:id="rId74">
               <p14:nvContentPartPr>
                 <p14:cNvPr id="277" name="Ink 276">
@@ -9554,7 +9554,7 @@
               </p14:xfrm>
             </p:contentPart>
           </mc:Choice>
-          <mc:Fallback>
+          <mc:Fallback xmlns="">
             <p:pic>
               <p:nvPicPr>
                 <p:cNvPr id="277" name="Ink 276">
@@ -9625,8 +9625,8 @@
                 <a:chExt cx="61560" cy="1716480"/>
               </a:xfrm>
             </p:grpSpPr>
-            <mc:AlternateContent xmlns:mc="http://schemas.openxmlformats.org/markup-compatibility/2006">
-              <mc:Choice xmlns:p14="http://schemas.microsoft.com/office/powerpoint/2010/main" Requires="p14">
+            <mc:AlternateContent xmlns:mc="http://schemas.openxmlformats.org/markup-compatibility/2006" xmlns:p14="http://schemas.microsoft.com/office/powerpoint/2010/main">
+              <mc:Choice Requires="p14">
                 <p:contentPart p14:bwMode="auto" r:id="rId76">
                   <p14:nvContentPartPr>
                     <p14:cNvPr id="314" name="Ink 313">
@@ -9645,7 +9645,7 @@
                   </p14:xfrm>
                 </p:contentPart>
               </mc:Choice>
-              <mc:Fallback>
+              <mc:Fallback xmlns="">
                 <p:pic>
                   <p:nvPicPr>
                     <p:cNvPr id="314" name="Ink 313">
@@ -9676,8 +9676,8 @@
                 </p:pic>
               </mc:Fallback>
             </mc:AlternateContent>
-            <mc:AlternateContent xmlns:mc="http://schemas.openxmlformats.org/markup-compatibility/2006">
-              <mc:Choice xmlns:p14="http://schemas.microsoft.com/office/powerpoint/2010/main" Requires="p14">
+            <mc:AlternateContent xmlns:mc="http://schemas.openxmlformats.org/markup-compatibility/2006" xmlns:p14="http://schemas.microsoft.com/office/powerpoint/2010/main">
+              <mc:Choice Requires="p14">
                 <p:contentPart p14:bwMode="auto" r:id="rId78">
                   <p14:nvContentPartPr>
                     <p14:cNvPr id="315" name="Ink 314">
@@ -9696,7 +9696,7 @@
                   </p14:xfrm>
                 </p:contentPart>
               </mc:Choice>
-              <mc:Fallback>
+              <mc:Fallback xmlns="">
                 <p:pic>
                   <p:nvPicPr>
                     <p:cNvPr id="315" name="Ink 314">
@@ -9727,8 +9727,8 @@
                 </p:pic>
               </mc:Fallback>
             </mc:AlternateContent>
-            <mc:AlternateContent xmlns:mc="http://schemas.openxmlformats.org/markup-compatibility/2006">
-              <mc:Choice xmlns:p14="http://schemas.microsoft.com/office/powerpoint/2010/main" Requires="p14">
+            <mc:AlternateContent xmlns:mc="http://schemas.openxmlformats.org/markup-compatibility/2006" xmlns:p14="http://schemas.microsoft.com/office/powerpoint/2010/main">
+              <mc:Choice Requires="p14">
                 <p:contentPart p14:bwMode="auto" r:id="rId80">
                   <p14:nvContentPartPr>
                     <p14:cNvPr id="316" name="Ink 315">
@@ -9747,7 +9747,7 @@
                   </p14:xfrm>
                 </p:contentPart>
               </mc:Choice>
-              <mc:Fallback>
+              <mc:Fallback xmlns="">
                 <p:pic>
                   <p:nvPicPr>
                     <p:cNvPr id="316" name="Ink 315">
@@ -9778,8 +9778,8 @@
                 </p:pic>
               </mc:Fallback>
             </mc:AlternateContent>
-            <mc:AlternateContent xmlns:mc="http://schemas.openxmlformats.org/markup-compatibility/2006">
-              <mc:Choice xmlns:p14="http://schemas.microsoft.com/office/powerpoint/2010/main" Requires="p14">
+            <mc:AlternateContent xmlns:mc="http://schemas.openxmlformats.org/markup-compatibility/2006" xmlns:p14="http://schemas.microsoft.com/office/powerpoint/2010/main">
+              <mc:Choice Requires="p14">
                 <p:contentPart p14:bwMode="auto" r:id="rId82">
                   <p14:nvContentPartPr>
                     <p14:cNvPr id="317" name="Ink 316">
@@ -9798,7 +9798,7 @@
                   </p14:xfrm>
                 </p:contentPart>
               </mc:Choice>
-              <mc:Fallback>
+              <mc:Fallback xmlns="">
                 <p:pic>
                   <p:nvPicPr>
                     <p:cNvPr id="317" name="Ink 316">
@@ -9829,8 +9829,8 @@
                 </p:pic>
               </mc:Fallback>
             </mc:AlternateContent>
-            <mc:AlternateContent xmlns:mc="http://schemas.openxmlformats.org/markup-compatibility/2006">
-              <mc:Choice xmlns:p14="http://schemas.microsoft.com/office/powerpoint/2010/main" Requires="p14">
+            <mc:AlternateContent xmlns:mc="http://schemas.openxmlformats.org/markup-compatibility/2006" xmlns:p14="http://schemas.microsoft.com/office/powerpoint/2010/main">
+              <mc:Choice Requires="p14">
                 <p:contentPart p14:bwMode="auto" r:id="rId84">
                   <p14:nvContentPartPr>
                     <p14:cNvPr id="318" name="Ink 317">
@@ -9849,7 +9849,7 @@
                   </p14:xfrm>
                 </p:contentPart>
               </mc:Choice>
-              <mc:Fallback>
+              <mc:Fallback xmlns="">
                 <p:pic>
                   <p:nvPicPr>
                     <p:cNvPr id="318" name="Ink 317">
@@ -9880,8 +9880,8 @@
                 </p:pic>
               </mc:Fallback>
             </mc:AlternateContent>
-            <mc:AlternateContent xmlns:mc="http://schemas.openxmlformats.org/markup-compatibility/2006">
-              <mc:Choice xmlns:p14="http://schemas.microsoft.com/office/powerpoint/2010/main" Requires="p14">
+            <mc:AlternateContent xmlns:mc="http://schemas.openxmlformats.org/markup-compatibility/2006" xmlns:p14="http://schemas.microsoft.com/office/powerpoint/2010/main">
+              <mc:Choice Requires="p14">
                 <p:contentPart p14:bwMode="auto" r:id="rId86">
                   <p14:nvContentPartPr>
                     <p14:cNvPr id="319" name="Ink 318">
@@ -9900,7 +9900,7 @@
                   </p14:xfrm>
                 </p:contentPart>
               </mc:Choice>
-              <mc:Fallback>
+              <mc:Fallback xmlns="">
                 <p:pic>
                   <p:nvPicPr>
                     <p:cNvPr id="319" name="Ink 318">
@@ -9931,8 +9931,8 @@
                 </p:pic>
               </mc:Fallback>
             </mc:AlternateContent>
-            <mc:AlternateContent xmlns:mc="http://schemas.openxmlformats.org/markup-compatibility/2006">
-              <mc:Choice xmlns:p14="http://schemas.microsoft.com/office/powerpoint/2010/main" Requires="p14">
+            <mc:AlternateContent xmlns:mc="http://schemas.openxmlformats.org/markup-compatibility/2006" xmlns:p14="http://schemas.microsoft.com/office/powerpoint/2010/main">
+              <mc:Choice Requires="p14">
                 <p:contentPart p14:bwMode="auto" r:id="rId88">
                   <p14:nvContentPartPr>
                     <p14:cNvPr id="320" name="Ink 319">
@@ -9951,7 +9951,7 @@
                   </p14:xfrm>
                 </p:contentPart>
               </mc:Choice>
-              <mc:Fallback>
+              <mc:Fallback xmlns="">
                 <p:pic>
                   <p:nvPicPr>
                     <p:cNvPr id="320" name="Ink 319">
@@ -9982,8 +9982,8 @@
                 </p:pic>
               </mc:Fallback>
             </mc:AlternateContent>
-            <mc:AlternateContent xmlns:mc="http://schemas.openxmlformats.org/markup-compatibility/2006">
-              <mc:Choice xmlns:p14="http://schemas.microsoft.com/office/powerpoint/2010/main" Requires="p14">
+            <mc:AlternateContent xmlns:mc="http://schemas.openxmlformats.org/markup-compatibility/2006" xmlns:p14="http://schemas.microsoft.com/office/powerpoint/2010/main">
+              <mc:Choice Requires="p14">
                 <p:contentPart p14:bwMode="auto" r:id="rId90">
                   <p14:nvContentPartPr>
                     <p14:cNvPr id="321" name="Ink 320">
@@ -10002,7 +10002,7 @@
                   </p14:xfrm>
                 </p:contentPart>
               </mc:Choice>
-              <mc:Fallback>
+              <mc:Fallback xmlns="">
                 <p:pic>
                   <p:nvPicPr>
                     <p:cNvPr id="321" name="Ink 320">
@@ -10033,8 +10033,8 @@
                 </p:pic>
               </mc:Fallback>
             </mc:AlternateContent>
-            <mc:AlternateContent xmlns:mc="http://schemas.openxmlformats.org/markup-compatibility/2006">
-              <mc:Choice xmlns:p14="http://schemas.microsoft.com/office/powerpoint/2010/main" Requires="p14">
+            <mc:AlternateContent xmlns:mc="http://schemas.openxmlformats.org/markup-compatibility/2006" xmlns:p14="http://schemas.microsoft.com/office/powerpoint/2010/main">
+              <mc:Choice Requires="p14">
                 <p:contentPart p14:bwMode="auto" r:id="rId92">
                   <p14:nvContentPartPr>
                     <p14:cNvPr id="322" name="Ink 321">
@@ -10053,7 +10053,7 @@
                   </p14:xfrm>
                 </p:contentPart>
               </mc:Choice>
-              <mc:Fallback>
+              <mc:Fallback xmlns="">
                 <p:pic>
                   <p:nvPicPr>
                     <p:cNvPr id="322" name="Ink 321">
@@ -10085,8 +10085,8 @@
               </mc:Fallback>
             </mc:AlternateContent>
           </p:grpSp>
-          <mc:AlternateContent xmlns:mc="http://schemas.openxmlformats.org/markup-compatibility/2006">
-            <mc:Choice xmlns:p14="http://schemas.microsoft.com/office/powerpoint/2010/main" Requires="p14">
+          <mc:AlternateContent xmlns:mc="http://schemas.openxmlformats.org/markup-compatibility/2006" xmlns:p14="http://schemas.microsoft.com/office/powerpoint/2010/main">
+            <mc:Choice Requires="p14">
               <p:contentPart p14:bwMode="auto" r:id="rId94">
                 <p14:nvContentPartPr>
                   <p14:cNvPr id="312" name="Ink 311">
@@ -10105,7 +10105,7 @@
                 </p14:xfrm>
               </p:contentPart>
             </mc:Choice>
-            <mc:Fallback>
+            <mc:Fallback xmlns="">
               <p:pic>
                 <p:nvPicPr>
                   <p:cNvPr id="312" name="Ink 311">
@@ -10136,8 +10136,8 @@
               </p:pic>
             </mc:Fallback>
           </mc:AlternateContent>
-          <mc:AlternateContent xmlns:mc="http://schemas.openxmlformats.org/markup-compatibility/2006">
-            <mc:Choice xmlns:p14="http://schemas.microsoft.com/office/powerpoint/2010/main" Requires="p14">
+          <mc:AlternateContent xmlns:mc="http://schemas.openxmlformats.org/markup-compatibility/2006" xmlns:p14="http://schemas.microsoft.com/office/powerpoint/2010/main">
+            <mc:Choice Requires="p14">
               <p:contentPart p14:bwMode="auto" r:id="rId96">
                 <p14:nvContentPartPr>
                   <p14:cNvPr id="313" name="Ink 312">
@@ -10156,7 +10156,7 @@
                 </p14:xfrm>
               </p:contentPart>
             </mc:Choice>
-            <mc:Fallback>
+            <mc:Fallback xmlns="">
               <p:pic>
                 <p:nvPicPr>
                   <p:cNvPr id="313" name="Ink 312">
@@ -10228,8 +10228,8 @@
                 <a:chExt cx="61560" cy="1716480"/>
               </a:xfrm>
             </p:grpSpPr>
-            <mc:AlternateContent xmlns:mc="http://schemas.openxmlformats.org/markup-compatibility/2006">
-              <mc:Choice xmlns:p14="http://schemas.microsoft.com/office/powerpoint/2010/main" Requires="p14">
+            <mc:AlternateContent xmlns:mc="http://schemas.openxmlformats.org/markup-compatibility/2006" xmlns:p14="http://schemas.microsoft.com/office/powerpoint/2010/main">
+              <mc:Choice Requires="p14">
                 <p:contentPart p14:bwMode="auto" r:id="rId98">
                   <p14:nvContentPartPr>
                     <p14:cNvPr id="353" name="Ink 352">
@@ -10248,7 +10248,7 @@
                   </p14:xfrm>
                 </p:contentPart>
               </mc:Choice>
-              <mc:Fallback>
+              <mc:Fallback xmlns="">
                 <p:pic>
                   <p:nvPicPr>
                     <p:cNvPr id="353" name="Ink 352">
@@ -10279,8 +10279,8 @@
                 </p:pic>
               </mc:Fallback>
             </mc:AlternateContent>
-            <mc:AlternateContent xmlns:mc="http://schemas.openxmlformats.org/markup-compatibility/2006">
-              <mc:Choice xmlns:p14="http://schemas.microsoft.com/office/powerpoint/2010/main" Requires="p14">
+            <mc:AlternateContent xmlns:mc="http://schemas.openxmlformats.org/markup-compatibility/2006" xmlns:p14="http://schemas.microsoft.com/office/powerpoint/2010/main">
+              <mc:Choice Requires="p14">
                 <p:contentPart p14:bwMode="auto" r:id="rId99">
                   <p14:nvContentPartPr>
                     <p14:cNvPr id="354" name="Ink 353">
@@ -10299,7 +10299,7 @@
                   </p14:xfrm>
                 </p:contentPart>
               </mc:Choice>
-              <mc:Fallback>
+              <mc:Fallback xmlns="">
                 <p:pic>
                   <p:nvPicPr>
                     <p:cNvPr id="354" name="Ink 353">
@@ -10330,8 +10330,8 @@
                 </p:pic>
               </mc:Fallback>
             </mc:AlternateContent>
-            <mc:AlternateContent xmlns:mc="http://schemas.openxmlformats.org/markup-compatibility/2006">
-              <mc:Choice xmlns:p14="http://schemas.microsoft.com/office/powerpoint/2010/main" Requires="p14">
+            <mc:AlternateContent xmlns:mc="http://schemas.openxmlformats.org/markup-compatibility/2006" xmlns:p14="http://schemas.microsoft.com/office/powerpoint/2010/main">
+              <mc:Choice Requires="p14">
                 <p:contentPart p14:bwMode="auto" r:id="rId100">
                   <p14:nvContentPartPr>
                     <p14:cNvPr id="355" name="Ink 354">
@@ -10350,7 +10350,7 @@
                   </p14:xfrm>
                 </p:contentPart>
               </mc:Choice>
-              <mc:Fallback>
+              <mc:Fallback xmlns="">
                 <p:pic>
                   <p:nvPicPr>
                     <p:cNvPr id="355" name="Ink 354">
@@ -10381,8 +10381,8 @@
                 </p:pic>
               </mc:Fallback>
             </mc:AlternateContent>
-            <mc:AlternateContent xmlns:mc="http://schemas.openxmlformats.org/markup-compatibility/2006">
-              <mc:Choice xmlns:p14="http://schemas.microsoft.com/office/powerpoint/2010/main" Requires="p14">
+            <mc:AlternateContent xmlns:mc="http://schemas.openxmlformats.org/markup-compatibility/2006" xmlns:p14="http://schemas.microsoft.com/office/powerpoint/2010/main">
+              <mc:Choice Requires="p14">
                 <p:contentPart p14:bwMode="auto" r:id="rId101">
                   <p14:nvContentPartPr>
                     <p14:cNvPr id="356" name="Ink 355">
@@ -10401,7 +10401,7 @@
                   </p14:xfrm>
                 </p:contentPart>
               </mc:Choice>
-              <mc:Fallback>
+              <mc:Fallback xmlns="">
                 <p:pic>
                   <p:nvPicPr>
                     <p:cNvPr id="356" name="Ink 355">
@@ -10432,8 +10432,8 @@
                 </p:pic>
               </mc:Fallback>
             </mc:AlternateContent>
-            <mc:AlternateContent xmlns:mc="http://schemas.openxmlformats.org/markup-compatibility/2006">
-              <mc:Choice xmlns:p14="http://schemas.microsoft.com/office/powerpoint/2010/main" Requires="p14">
+            <mc:AlternateContent xmlns:mc="http://schemas.openxmlformats.org/markup-compatibility/2006" xmlns:p14="http://schemas.microsoft.com/office/powerpoint/2010/main">
+              <mc:Choice Requires="p14">
                 <p:contentPart p14:bwMode="auto" r:id="rId102">
                   <p14:nvContentPartPr>
                     <p14:cNvPr id="357" name="Ink 356">
@@ -10452,7 +10452,7 @@
                   </p14:xfrm>
                 </p:contentPart>
               </mc:Choice>
-              <mc:Fallback>
+              <mc:Fallback xmlns="">
                 <p:pic>
                   <p:nvPicPr>
                     <p:cNvPr id="357" name="Ink 356">
@@ -10483,8 +10483,8 @@
                 </p:pic>
               </mc:Fallback>
             </mc:AlternateContent>
-            <mc:AlternateContent xmlns:mc="http://schemas.openxmlformats.org/markup-compatibility/2006">
-              <mc:Choice xmlns:p14="http://schemas.microsoft.com/office/powerpoint/2010/main" Requires="p14">
+            <mc:AlternateContent xmlns:mc="http://schemas.openxmlformats.org/markup-compatibility/2006" xmlns:p14="http://schemas.microsoft.com/office/powerpoint/2010/main">
+              <mc:Choice Requires="p14">
                 <p:contentPart p14:bwMode="auto" r:id="rId103">
                   <p14:nvContentPartPr>
                     <p14:cNvPr id="358" name="Ink 357">
@@ -10503,7 +10503,7 @@
                   </p14:xfrm>
                 </p:contentPart>
               </mc:Choice>
-              <mc:Fallback>
+              <mc:Fallback xmlns="">
                 <p:pic>
                   <p:nvPicPr>
                     <p:cNvPr id="358" name="Ink 357">
@@ -10534,8 +10534,8 @@
                 </p:pic>
               </mc:Fallback>
             </mc:AlternateContent>
-            <mc:AlternateContent xmlns:mc="http://schemas.openxmlformats.org/markup-compatibility/2006">
-              <mc:Choice xmlns:p14="http://schemas.microsoft.com/office/powerpoint/2010/main" Requires="p14">
+            <mc:AlternateContent xmlns:mc="http://schemas.openxmlformats.org/markup-compatibility/2006" xmlns:p14="http://schemas.microsoft.com/office/powerpoint/2010/main">
+              <mc:Choice Requires="p14">
                 <p:contentPart p14:bwMode="auto" r:id="rId104">
                   <p14:nvContentPartPr>
                     <p14:cNvPr id="359" name="Ink 358">
@@ -10554,7 +10554,7 @@
                   </p14:xfrm>
                 </p:contentPart>
               </mc:Choice>
-              <mc:Fallback>
+              <mc:Fallback xmlns="">
                 <p:pic>
                   <p:nvPicPr>
                     <p:cNvPr id="359" name="Ink 358">
@@ -10585,8 +10585,8 @@
                 </p:pic>
               </mc:Fallback>
             </mc:AlternateContent>
-            <mc:AlternateContent xmlns:mc="http://schemas.openxmlformats.org/markup-compatibility/2006">
-              <mc:Choice xmlns:p14="http://schemas.microsoft.com/office/powerpoint/2010/main" Requires="p14">
+            <mc:AlternateContent xmlns:mc="http://schemas.openxmlformats.org/markup-compatibility/2006" xmlns:p14="http://schemas.microsoft.com/office/powerpoint/2010/main">
+              <mc:Choice Requires="p14">
                 <p:contentPart p14:bwMode="auto" r:id="rId105">
                   <p14:nvContentPartPr>
                     <p14:cNvPr id="360" name="Ink 359">
@@ -10605,7 +10605,7 @@
                   </p14:xfrm>
                 </p:contentPart>
               </mc:Choice>
-              <mc:Fallback>
+              <mc:Fallback xmlns="">
                 <p:pic>
                   <p:nvPicPr>
                     <p:cNvPr id="360" name="Ink 359">
@@ -10636,8 +10636,8 @@
                 </p:pic>
               </mc:Fallback>
             </mc:AlternateContent>
-            <mc:AlternateContent xmlns:mc="http://schemas.openxmlformats.org/markup-compatibility/2006">
-              <mc:Choice xmlns:p14="http://schemas.microsoft.com/office/powerpoint/2010/main" Requires="p14">
+            <mc:AlternateContent xmlns:mc="http://schemas.openxmlformats.org/markup-compatibility/2006" xmlns:p14="http://schemas.microsoft.com/office/powerpoint/2010/main">
+              <mc:Choice Requires="p14">
                 <p:contentPart p14:bwMode="auto" r:id="rId106">
                   <p14:nvContentPartPr>
                     <p14:cNvPr id="361" name="Ink 360">
@@ -10656,7 +10656,7 @@
                   </p14:xfrm>
                 </p:contentPart>
               </mc:Choice>
-              <mc:Fallback>
+              <mc:Fallback xmlns="">
                 <p:pic>
                   <p:nvPicPr>
                     <p:cNvPr id="361" name="Ink 360">
@@ -10688,8 +10688,8 @@
               </mc:Fallback>
             </mc:AlternateContent>
           </p:grpSp>
-          <mc:AlternateContent xmlns:mc="http://schemas.openxmlformats.org/markup-compatibility/2006">
-            <mc:Choice xmlns:p14="http://schemas.microsoft.com/office/powerpoint/2010/main" Requires="p14">
+          <mc:AlternateContent xmlns:mc="http://schemas.openxmlformats.org/markup-compatibility/2006" xmlns:p14="http://schemas.microsoft.com/office/powerpoint/2010/main">
+            <mc:Choice Requires="p14">
               <p:contentPart p14:bwMode="auto" r:id="rId107">
                 <p14:nvContentPartPr>
                   <p14:cNvPr id="351" name="Ink 350">
@@ -10708,7 +10708,7 @@
                 </p14:xfrm>
               </p:contentPart>
             </mc:Choice>
-            <mc:Fallback>
+            <mc:Fallback xmlns="">
               <p:pic>
                 <p:nvPicPr>
                   <p:cNvPr id="351" name="Ink 350">
@@ -10739,8 +10739,8 @@
               </p:pic>
             </mc:Fallback>
           </mc:AlternateContent>
-          <mc:AlternateContent xmlns:mc="http://schemas.openxmlformats.org/markup-compatibility/2006">
-            <mc:Choice xmlns:p14="http://schemas.microsoft.com/office/powerpoint/2010/main" Requires="p14">
+          <mc:AlternateContent xmlns:mc="http://schemas.openxmlformats.org/markup-compatibility/2006" xmlns:p14="http://schemas.microsoft.com/office/powerpoint/2010/main">
+            <mc:Choice Requires="p14">
               <p:contentPart p14:bwMode="auto" r:id="rId108">
                 <p14:nvContentPartPr>
                   <p14:cNvPr id="352" name="Ink 351">
@@ -10759,7 +10759,7 @@
                 </p14:xfrm>
               </p:contentPart>
             </mc:Choice>
-            <mc:Fallback>
+            <mc:Fallback xmlns="">
               <p:pic>
                 <p:nvPicPr>
                   <p:cNvPr id="352" name="Ink 351">
@@ -10890,8 +10890,8 @@
             <a:chExt cx="2790390" cy="5624107"/>
           </a:xfrm>
         </p:grpSpPr>
-        <mc:AlternateContent xmlns:mc="http://schemas.openxmlformats.org/markup-compatibility/2006">
-          <mc:Choice xmlns:p14="http://schemas.microsoft.com/office/powerpoint/2010/main" Requires="p14">
+        <mc:AlternateContent xmlns:mc="http://schemas.openxmlformats.org/markup-compatibility/2006" xmlns:p14="http://schemas.microsoft.com/office/powerpoint/2010/main">
+          <mc:Choice Requires="p14">
             <p:contentPart p14:bwMode="auto" r:id="rId109">
               <p14:nvContentPartPr>
                 <p14:cNvPr id="4" name="Ink 3">
@@ -10910,7 +10910,7 @@
               </p14:xfrm>
             </p:contentPart>
           </mc:Choice>
-          <mc:Fallback>
+          <mc:Fallback xmlns="">
             <p:pic>
               <p:nvPicPr>
                 <p:cNvPr id="4" name="Ink 3">
@@ -10941,8 +10941,8 @@
             </p:pic>
           </mc:Fallback>
         </mc:AlternateContent>
-        <mc:AlternateContent xmlns:mc="http://schemas.openxmlformats.org/markup-compatibility/2006">
-          <mc:Choice xmlns:p14="http://schemas.microsoft.com/office/powerpoint/2010/main" Requires="p14">
+        <mc:AlternateContent xmlns:mc="http://schemas.openxmlformats.org/markup-compatibility/2006" xmlns:p14="http://schemas.microsoft.com/office/powerpoint/2010/main">
+          <mc:Choice Requires="p14">
             <p:contentPart p14:bwMode="auto" r:id="rId110">
               <p14:nvContentPartPr>
                 <p14:cNvPr id="167" name="Ink 166">
@@ -10961,7 +10961,7 @@
               </p14:xfrm>
             </p:contentPart>
           </mc:Choice>
-          <mc:Fallback>
+          <mc:Fallback xmlns="">
             <p:pic>
               <p:nvPicPr>
                 <p:cNvPr id="167" name="Ink 166">
@@ -11032,8 +11032,8 @@
                 <a:chExt cx="61560" cy="1716480"/>
               </a:xfrm>
             </p:grpSpPr>
-            <mc:AlternateContent xmlns:mc="http://schemas.openxmlformats.org/markup-compatibility/2006">
-              <mc:Choice xmlns:p14="http://schemas.microsoft.com/office/powerpoint/2010/main" Requires="p14">
+            <mc:AlternateContent xmlns:mc="http://schemas.openxmlformats.org/markup-compatibility/2006" xmlns:p14="http://schemas.microsoft.com/office/powerpoint/2010/main">
+              <mc:Choice Requires="p14">
                 <p:contentPart p14:bwMode="auto" r:id="rId111">
                   <p14:nvContentPartPr>
                     <p14:cNvPr id="152" name="Ink 151">
@@ -11052,7 +11052,7 @@
                   </p14:xfrm>
                 </p:contentPart>
               </mc:Choice>
-              <mc:Fallback>
+              <mc:Fallback xmlns="">
                 <p:pic>
                   <p:nvPicPr>
                     <p:cNvPr id="152" name="Ink 151">
@@ -11083,8 +11083,8 @@
                 </p:pic>
               </mc:Fallback>
             </mc:AlternateContent>
-            <mc:AlternateContent xmlns:mc="http://schemas.openxmlformats.org/markup-compatibility/2006">
-              <mc:Choice xmlns:p14="http://schemas.microsoft.com/office/powerpoint/2010/main" Requires="p14">
+            <mc:AlternateContent xmlns:mc="http://schemas.openxmlformats.org/markup-compatibility/2006" xmlns:p14="http://schemas.microsoft.com/office/powerpoint/2010/main">
+              <mc:Choice Requires="p14">
                 <p:contentPart p14:bwMode="auto" r:id="rId112">
                   <p14:nvContentPartPr>
                     <p14:cNvPr id="165" name="Ink 164">
@@ -11103,7 +11103,7 @@
                   </p14:xfrm>
                 </p:contentPart>
               </mc:Choice>
-              <mc:Fallback>
+              <mc:Fallback xmlns="">
                 <p:pic>
                   <p:nvPicPr>
                     <p:cNvPr id="165" name="Ink 164">
@@ -11134,8 +11134,8 @@
                 </p:pic>
               </mc:Fallback>
             </mc:AlternateContent>
-            <mc:AlternateContent xmlns:mc="http://schemas.openxmlformats.org/markup-compatibility/2006">
-              <mc:Choice xmlns:p14="http://schemas.microsoft.com/office/powerpoint/2010/main" Requires="p14">
+            <mc:AlternateContent xmlns:mc="http://schemas.openxmlformats.org/markup-compatibility/2006" xmlns:p14="http://schemas.microsoft.com/office/powerpoint/2010/main">
+              <mc:Choice Requires="p14">
                 <p:contentPart p14:bwMode="auto" r:id="rId113">
                   <p14:nvContentPartPr>
                     <p14:cNvPr id="170" name="Ink 169">
@@ -11154,7 +11154,7 @@
                   </p14:xfrm>
                 </p:contentPart>
               </mc:Choice>
-              <mc:Fallback>
+              <mc:Fallback xmlns="">
                 <p:pic>
                   <p:nvPicPr>
                     <p:cNvPr id="170" name="Ink 169">
@@ -11185,8 +11185,8 @@
                 </p:pic>
               </mc:Fallback>
             </mc:AlternateContent>
-            <mc:AlternateContent xmlns:mc="http://schemas.openxmlformats.org/markup-compatibility/2006">
-              <mc:Choice xmlns:p14="http://schemas.microsoft.com/office/powerpoint/2010/main" Requires="p14">
+            <mc:AlternateContent xmlns:mc="http://schemas.openxmlformats.org/markup-compatibility/2006" xmlns:p14="http://schemas.microsoft.com/office/powerpoint/2010/main">
+              <mc:Choice Requires="p14">
                 <p:contentPart p14:bwMode="auto" r:id="rId114">
                   <p14:nvContentPartPr>
                     <p14:cNvPr id="172" name="Ink 171">
@@ -11205,7 +11205,7 @@
                   </p14:xfrm>
                 </p:contentPart>
               </mc:Choice>
-              <mc:Fallback>
+              <mc:Fallback xmlns="">
                 <p:pic>
                   <p:nvPicPr>
                     <p:cNvPr id="172" name="Ink 171">
@@ -11236,8 +11236,8 @@
                 </p:pic>
               </mc:Fallback>
             </mc:AlternateContent>
-            <mc:AlternateContent xmlns:mc="http://schemas.openxmlformats.org/markup-compatibility/2006">
-              <mc:Choice xmlns:p14="http://schemas.microsoft.com/office/powerpoint/2010/main" Requires="p14">
+            <mc:AlternateContent xmlns:mc="http://schemas.openxmlformats.org/markup-compatibility/2006" xmlns:p14="http://schemas.microsoft.com/office/powerpoint/2010/main">
+              <mc:Choice Requires="p14">
                 <p:contentPart p14:bwMode="auto" r:id="rId115">
                   <p14:nvContentPartPr>
                     <p14:cNvPr id="173" name="Ink 172">
@@ -11256,7 +11256,7 @@
                   </p14:xfrm>
                 </p:contentPart>
               </mc:Choice>
-              <mc:Fallback>
+              <mc:Fallback xmlns="">
                 <p:pic>
                   <p:nvPicPr>
                     <p:cNvPr id="173" name="Ink 172">
@@ -11287,8 +11287,8 @@
                 </p:pic>
               </mc:Fallback>
             </mc:AlternateContent>
-            <mc:AlternateContent xmlns:mc="http://schemas.openxmlformats.org/markup-compatibility/2006">
-              <mc:Choice xmlns:p14="http://schemas.microsoft.com/office/powerpoint/2010/main" Requires="p14">
+            <mc:AlternateContent xmlns:mc="http://schemas.openxmlformats.org/markup-compatibility/2006" xmlns:p14="http://schemas.microsoft.com/office/powerpoint/2010/main">
+              <mc:Choice Requires="p14">
                 <p:contentPart p14:bwMode="auto" r:id="rId116">
                   <p14:nvContentPartPr>
                     <p14:cNvPr id="174" name="Ink 173">
@@ -11307,7 +11307,7 @@
                   </p14:xfrm>
                 </p:contentPart>
               </mc:Choice>
-              <mc:Fallback>
+              <mc:Fallback xmlns="">
                 <p:pic>
                   <p:nvPicPr>
                     <p:cNvPr id="174" name="Ink 173">
@@ -11338,8 +11338,8 @@
                 </p:pic>
               </mc:Fallback>
             </mc:AlternateContent>
-            <mc:AlternateContent xmlns:mc="http://schemas.openxmlformats.org/markup-compatibility/2006">
-              <mc:Choice xmlns:p14="http://schemas.microsoft.com/office/powerpoint/2010/main" Requires="p14">
+            <mc:AlternateContent xmlns:mc="http://schemas.openxmlformats.org/markup-compatibility/2006" xmlns:p14="http://schemas.microsoft.com/office/powerpoint/2010/main">
+              <mc:Choice Requires="p14">
                 <p:contentPart p14:bwMode="auto" r:id="rId117">
                   <p14:nvContentPartPr>
                     <p14:cNvPr id="176" name="Ink 175">
@@ -11358,7 +11358,7 @@
                   </p14:xfrm>
                 </p:contentPart>
               </mc:Choice>
-              <mc:Fallback>
+              <mc:Fallback xmlns="">
                 <p:pic>
                   <p:nvPicPr>
                     <p:cNvPr id="176" name="Ink 175">
@@ -11389,8 +11389,8 @@
                 </p:pic>
               </mc:Fallback>
             </mc:AlternateContent>
-            <mc:AlternateContent xmlns:mc="http://schemas.openxmlformats.org/markup-compatibility/2006">
-              <mc:Choice xmlns:p14="http://schemas.microsoft.com/office/powerpoint/2010/main" Requires="p14">
+            <mc:AlternateContent xmlns:mc="http://schemas.openxmlformats.org/markup-compatibility/2006" xmlns:p14="http://schemas.microsoft.com/office/powerpoint/2010/main">
+              <mc:Choice Requires="p14">
                 <p:contentPart p14:bwMode="auto" r:id="rId118">
                   <p14:nvContentPartPr>
                     <p14:cNvPr id="189" name="Ink 188">
@@ -11409,7 +11409,7 @@
                   </p14:xfrm>
                 </p:contentPart>
               </mc:Choice>
-              <mc:Fallback>
+              <mc:Fallback xmlns="">
                 <p:pic>
                   <p:nvPicPr>
                     <p:cNvPr id="189" name="Ink 188">
@@ -11440,8 +11440,8 @@
                 </p:pic>
               </mc:Fallback>
             </mc:AlternateContent>
-            <mc:AlternateContent xmlns:mc="http://schemas.openxmlformats.org/markup-compatibility/2006">
-              <mc:Choice xmlns:p14="http://schemas.microsoft.com/office/powerpoint/2010/main" Requires="p14">
+            <mc:AlternateContent xmlns:mc="http://schemas.openxmlformats.org/markup-compatibility/2006" xmlns:p14="http://schemas.microsoft.com/office/powerpoint/2010/main">
+              <mc:Choice Requires="p14">
                 <p:contentPart p14:bwMode="auto" r:id="rId119">
                   <p14:nvContentPartPr>
                     <p14:cNvPr id="191" name="Ink 190">
@@ -11460,7 +11460,7 @@
                   </p14:xfrm>
                 </p:contentPart>
               </mc:Choice>
-              <mc:Fallback>
+              <mc:Fallback xmlns="">
                 <p:pic>
                   <p:nvPicPr>
                     <p:cNvPr id="191" name="Ink 190">
@@ -11492,8 +11492,8 @@
               </mc:Fallback>
             </mc:AlternateContent>
           </p:grpSp>
-          <mc:AlternateContent xmlns:mc="http://schemas.openxmlformats.org/markup-compatibility/2006">
-            <mc:Choice xmlns:p14="http://schemas.microsoft.com/office/powerpoint/2010/main" Requires="p14">
+          <mc:AlternateContent xmlns:mc="http://schemas.openxmlformats.org/markup-compatibility/2006" xmlns:p14="http://schemas.microsoft.com/office/powerpoint/2010/main">
+            <mc:Choice Requires="p14">
               <p:contentPart p14:bwMode="auto" r:id="rId120">
                 <p14:nvContentPartPr>
                   <p14:cNvPr id="197" name="Ink 196">
@@ -11512,7 +11512,7 @@
                 </p14:xfrm>
               </p:contentPart>
             </mc:Choice>
-            <mc:Fallback>
+            <mc:Fallback xmlns="">
               <p:pic>
                 <p:nvPicPr>
                   <p:cNvPr id="197" name="Ink 196">
@@ -11543,8 +11543,8 @@
               </p:pic>
             </mc:Fallback>
           </mc:AlternateContent>
-          <mc:AlternateContent xmlns:mc="http://schemas.openxmlformats.org/markup-compatibility/2006">
-            <mc:Choice xmlns:p14="http://schemas.microsoft.com/office/powerpoint/2010/main" Requires="p14">
+          <mc:AlternateContent xmlns:mc="http://schemas.openxmlformats.org/markup-compatibility/2006" xmlns:p14="http://schemas.microsoft.com/office/powerpoint/2010/main">
+            <mc:Choice Requires="p14">
               <p:contentPart p14:bwMode="auto" r:id="rId121">
                 <p14:nvContentPartPr>
                   <p14:cNvPr id="198" name="Ink 197">
@@ -11563,7 +11563,7 @@
                 </p14:xfrm>
               </p:contentPart>
             </mc:Choice>
-            <mc:Fallback>
+            <mc:Fallback xmlns="">
               <p:pic>
                 <p:nvPicPr>
                   <p:cNvPr id="198" name="Ink 197">
@@ -11635,8 +11635,8 @@
                 <a:chExt cx="61560" cy="1716480"/>
               </a:xfrm>
             </p:grpSpPr>
-            <mc:AlternateContent xmlns:mc="http://schemas.openxmlformats.org/markup-compatibility/2006">
-              <mc:Choice xmlns:p14="http://schemas.microsoft.com/office/powerpoint/2010/main" Requires="p14">
+            <mc:AlternateContent xmlns:mc="http://schemas.openxmlformats.org/markup-compatibility/2006" xmlns:p14="http://schemas.microsoft.com/office/powerpoint/2010/main">
+              <mc:Choice Requires="p14">
                 <p:contentPart p14:bwMode="auto" r:id="rId122">
                   <p14:nvContentPartPr>
                     <p14:cNvPr id="217" name="Ink 216">
@@ -11655,7 +11655,7 @@
                   </p14:xfrm>
                 </p:contentPart>
               </mc:Choice>
-              <mc:Fallback>
+              <mc:Fallback xmlns="">
                 <p:pic>
                   <p:nvPicPr>
                     <p:cNvPr id="217" name="Ink 216">
@@ -11686,8 +11686,8 @@
                 </p:pic>
               </mc:Fallback>
             </mc:AlternateContent>
-            <mc:AlternateContent xmlns:mc="http://schemas.openxmlformats.org/markup-compatibility/2006">
-              <mc:Choice xmlns:p14="http://schemas.microsoft.com/office/powerpoint/2010/main" Requires="p14">
+            <mc:AlternateContent xmlns:mc="http://schemas.openxmlformats.org/markup-compatibility/2006" xmlns:p14="http://schemas.microsoft.com/office/powerpoint/2010/main">
+              <mc:Choice Requires="p14">
                 <p:contentPart p14:bwMode="auto" r:id="rId123">
                   <p14:nvContentPartPr>
                     <p14:cNvPr id="218" name="Ink 217">
@@ -11706,7 +11706,7 @@
                   </p14:xfrm>
                 </p:contentPart>
               </mc:Choice>
-              <mc:Fallback>
+              <mc:Fallback xmlns="">
                 <p:pic>
                   <p:nvPicPr>
                     <p:cNvPr id="218" name="Ink 217">
@@ -11737,8 +11737,8 @@
                 </p:pic>
               </mc:Fallback>
             </mc:AlternateContent>
-            <mc:AlternateContent xmlns:mc="http://schemas.openxmlformats.org/markup-compatibility/2006">
-              <mc:Choice xmlns:p14="http://schemas.microsoft.com/office/powerpoint/2010/main" Requires="p14">
+            <mc:AlternateContent xmlns:mc="http://schemas.openxmlformats.org/markup-compatibility/2006" xmlns:p14="http://schemas.microsoft.com/office/powerpoint/2010/main">
+              <mc:Choice Requires="p14">
                 <p:contentPart p14:bwMode="auto" r:id="rId124">
                   <p14:nvContentPartPr>
                     <p14:cNvPr id="219" name="Ink 218">
@@ -11757,7 +11757,7 @@
                   </p14:xfrm>
                 </p:contentPart>
               </mc:Choice>
-              <mc:Fallback>
+              <mc:Fallback xmlns="">
                 <p:pic>
                   <p:nvPicPr>
                     <p:cNvPr id="219" name="Ink 218">
@@ -11788,8 +11788,8 @@
                 </p:pic>
               </mc:Fallback>
             </mc:AlternateContent>
-            <mc:AlternateContent xmlns:mc="http://schemas.openxmlformats.org/markup-compatibility/2006">
-              <mc:Choice xmlns:p14="http://schemas.microsoft.com/office/powerpoint/2010/main" Requires="p14">
+            <mc:AlternateContent xmlns:mc="http://schemas.openxmlformats.org/markup-compatibility/2006" xmlns:p14="http://schemas.microsoft.com/office/powerpoint/2010/main">
+              <mc:Choice Requires="p14">
                 <p:contentPart p14:bwMode="auto" r:id="rId125">
                   <p14:nvContentPartPr>
                     <p14:cNvPr id="220" name="Ink 219">
@@ -11808,7 +11808,7 @@
                   </p14:xfrm>
                 </p:contentPart>
               </mc:Choice>
-              <mc:Fallback>
+              <mc:Fallback xmlns="">
                 <p:pic>
                   <p:nvPicPr>
                     <p:cNvPr id="220" name="Ink 219">
@@ -11839,8 +11839,8 @@
                 </p:pic>
               </mc:Fallback>
             </mc:AlternateContent>
-            <mc:AlternateContent xmlns:mc="http://schemas.openxmlformats.org/markup-compatibility/2006">
-              <mc:Choice xmlns:p14="http://schemas.microsoft.com/office/powerpoint/2010/main" Requires="p14">
+            <mc:AlternateContent xmlns:mc="http://schemas.openxmlformats.org/markup-compatibility/2006" xmlns:p14="http://schemas.microsoft.com/office/powerpoint/2010/main">
+              <mc:Choice Requires="p14">
                 <p:contentPart p14:bwMode="auto" r:id="rId126">
                   <p14:nvContentPartPr>
                     <p14:cNvPr id="221" name="Ink 220">
@@ -11859,7 +11859,7 @@
                   </p14:xfrm>
                 </p:contentPart>
               </mc:Choice>
-              <mc:Fallback>
+              <mc:Fallback xmlns="">
                 <p:pic>
                   <p:nvPicPr>
                     <p:cNvPr id="221" name="Ink 220">
@@ -11890,8 +11890,8 @@
                 </p:pic>
               </mc:Fallback>
             </mc:AlternateContent>
-            <mc:AlternateContent xmlns:mc="http://schemas.openxmlformats.org/markup-compatibility/2006">
-              <mc:Choice xmlns:p14="http://schemas.microsoft.com/office/powerpoint/2010/main" Requires="p14">
+            <mc:AlternateContent xmlns:mc="http://schemas.openxmlformats.org/markup-compatibility/2006" xmlns:p14="http://schemas.microsoft.com/office/powerpoint/2010/main">
+              <mc:Choice Requires="p14">
                 <p:contentPart p14:bwMode="auto" r:id="rId127">
                   <p14:nvContentPartPr>
                     <p14:cNvPr id="222" name="Ink 221">
@@ -11910,7 +11910,7 @@
                   </p14:xfrm>
                 </p:contentPart>
               </mc:Choice>
-              <mc:Fallback>
+              <mc:Fallback xmlns="">
                 <p:pic>
                   <p:nvPicPr>
                     <p:cNvPr id="222" name="Ink 221">
@@ -11941,8 +11941,8 @@
                 </p:pic>
               </mc:Fallback>
             </mc:AlternateContent>
-            <mc:AlternateContent xmlns:mc="http://schemas.openxmlformats.org/markup-compatibility/2006">
-              <mc:Choice xmlns:p14="http://schemas.microsoft.com/office/powerpoint/2010/main" Requires="p14">
+            <mc:AlternateContent xmlns:mc="http://schemas.openxmlformats.org/markup-compatibility/2006" xmlns:p14="http://schemas.microsoft.com/office/powerpoint/2010/main">
+              <mc:Choice Requires="p14">
                 <p:contentPart p14:bwMode="auto" r:id="rId128">
                   <p14:nvContentPartPr>
                     <p14:cNvPr id="223" name="Ink 222">
@@ -11961,7 +11961,7 @@
                   </p14:xfrm>
                 </p:contentPart>
               </mc:Choice>
-              <mc:Fallback>
+              <mc:Fallback xmlns="">
                 <p:pic>
                   <p:nvPicPr>
                     <p:cNvPr id="223" name="Ink 222">
@@ -11992,8 +11992,8 @@
                 </p:pic>
               </mc:Fallback>
             </mc:AlternateContent>
-            <mc:AlternateContent xmlns:mc="http://schemas.openxmlformats.org/markup-compatibility/2006">
-              <mc:Choice xmlns:p14="http://schemas.microsoft.com/office/powerpoint/2010/main" Requires="p14">
+            <mc:AlternateContent xmlns:mc="http://schemas.openxmlformats.org/markup-compatibility/2006" xmlns:p14="http://schemas.microsoft.com/office/powerpoint/2010/main">
+              <mc:Choice Requires="p14">
                 <p:contentPart p14:bwMode="auto" r:id="rId129">
                   <p14:nvContentPartPr>
                     <p14:cNvPr id="224" name="Ink 223">
@@ -12012,7 +12012,7 @@
                   </p14:xfrm>
                 </p:contentPart>
               </mc:Choice>
-              <mc:Fallback>
+              <mc:Fallback xmlns="">
                 <p:pic>
                   <p:nvPicPr>
                     <p:cNvPr id="224" name="Ink 223">
@@ -12043,8 +12043,8 @@
                 </p:pic>
               </mc:Fallback>
             </mc:AlternateContent>
-            <mc:AlternateContent xmlns:mc="http://schemas.openxmlformats.org/markup-compatibility/2006">
-              <mc:Choice xmlns:p14="http://schemas.microsoft.com/office/powerpoint/2010/main" Requires="p14">
+            <mc:AlternateContent xmlns:mc="http://schemas.openxmlformats.org/markup-compatibility/2006" xmlns:p14="http://schemas.microsoft.com/office/powerpoint/2010/main">
+              <mc:Choice Requires="p14">
                 <p:contentPart p14:bwMode="auto" r:id="rId130">
                   <p14:nvContentPartPr>
                     <p14:cNvPr id="225" name="Ink 224">
@@ -12063,7 +12063,7 @@
                   </p14:xfrm>
                 </p:contentPart>
               </mc:Choice>
-              <mc:Fallback>
+              <mc:Fallback xmlns="">
                 <p:pic>
                   <p:nvPicPr>
                     <p:cNvPr id="225" name="Ink 224">
@@ -12095,8 +12095,8 @@
               </mc:Fallback>
             </mc:AlternateContent>
           </p:grpSp>
-          <mc:AlternateContent xmlns:mc="http://schemas.openxmlformats.org/markup-compatibility/2006">
-            <mc:Choice xmlns:p14="http://schemas.microsoft.com/office/powerpoint/2010/main" Requires="p14">
+          <mc:AlternateContent xmlns:mc="http://schemas.openxmlformats.org/markup-compatibility/2006" xmlns:p14="http://schemas.microsoft.com/office/powerpoint/2010/main">
+            <mc:Choice Requires="p14">
               <p:contentPart p14:bwMode="auto" r:id="rId131">
                 <p14:nvContentPartPr>
                   <p14:cNvPr id="215" name="Ink 214">
@@ -12115,7 +12115,7 @@
                 </p14:xfrm>
               </p:contentPart>
             </mc:Choice>
-            <mc:Fallback>
+            <mc:Fallback xmlns="">
               <p:pic>
                 <p:nvPicPr>
                   <p:cNvPr id="215" name="Ink 214">
@@ -12146,8 +12146,8 @@
               </p:pic>
             </mc:Fallback>
           </mc:AlternateContent>
-          <mc:AlternateContent xmlns:mc="http://schemas.openxmlformats.org/markup-compatibility/2006">
-            <mc:Choice xmlns:p14="http://schemas.microsoft.com/office/powerpoint/2010/main" Requires="p14">
+          <mc:AlternateContent xmlns:mc="http://schemas.openxmlformats.org/markup-compatibility/2006" xmlns:p14="http://schemas.microsoft.com/office/powerpoint/2010/main">
+            <mc:Choice Requires="p14">
               <p:contentPart p14:bwMode="auto" r:id="rId132">
                 <p14:nvContentPartPr>
                   <p14:cNvPr id="216" name="Ink 215">
@@ -12166,7 +12166,7 @@
                 </p14:xfrm>
               </p:contentPart>
             </mc:Choice>
-            <mc:Fallback>
+            <mc:Fallback xmlns="">
               <p:pic>
                 <p:nvPicPr>
                   <p:cNvPr id="216" name="Ink 215">
@@ -12198,8 +12198,8 @@
             </mc:Fallback>
           </mc:AlternateContent>
         </p:grpSp>
-        <mc:AlternateContent xmlns:mc="http://schemas.openxmlformats.org/markup-compatibility/2006">
-          <mc:Choice xmlns:p14="http://schemas.microsoft.com/office/powerpoint/2010/main" Requires="p14">
+        <mc:AlternateContent xmlns:mc="http://schemas.openxmlformats.org/markup-compatibility/2006" xmlns:p14="http://schemas.microsoft.com/office/powerpoint/2010/main">
+          <mc:Choice Requires="p14">
             <p:contentPart p14:bwMode="auto" r:id="rId133">
               <p14:nvContentPartPr>
                 <p14:cNvPr id="268" name="Ink 267">
@@ -12218,7 +12218,7 @@
               </p14:xfrm>
             </p:contentPart>
           </mc:Choice>
-          <mc:Fallback>
+          <mc:Fallback xmlns="">
             <p:pic>
               <p:nvPicPr>
                 <p:cNvPr id="268" name="Ink 267">
@@ -12249,8 +12249,8 @@
             </p:pic>
           </mc:Fallback>
         </mc:AlternateContent>
-        <mc:AlternateContent xmlns:mc="http://schemas.openxmlformats.org/markup-compatibility/2006">
-          <mc:Choice xmlns:p14="http://schemas.microsoft.com/office/powerpoint/2010/main" Requires="p14">
+        <mc:AlternateContent xmlns:mc="http://schemas.openxmlformats.org/markup-compatibility/2006" xmlns:p14="http://schemas.microsoft.com/office/powerpoint/2010/main">
+          <mc:Choice Requires="p14">
             <p:contentPart p14:bwMode="auto" r:id="rId135">
               <p14:nvContentPartPr>
                 <p14:cNvPr id="269" name="Ink 268">
@@ -12269,7 +12269,7 @@
               </p14:xfrm>
             </p:contentPart>
           </mc:Choice>
-          <mc:Fallback>
+          <mc:Fallback xmlns="">
             <p:pic>
               <p:nvPicPr>
                 <p:cNvPr id="269" name="Ink 268">
@@ -12300,8 +12300,8 @@
             </p:pic>
           </mc:Fallback>
         </mc:AlternateContent>
-        <mc:AlternateContent xmlns:mc="http://schemas.openxmlformats.org/markup-compatibility/2006">
-          <mc:Choice xmlns:p14="http://schemas.microsoft.com/office/powerpoint/2010/main" Requires="p14">
+        <mc:AlternateContent xmlns:mc="http://schemas.openxmlformats.org/markup-compatibility/2006" xmlns:p14="http://schemas.microsoft.com/office/powerpoint/2010/main">
+          <mc:Choice Requires="p14">
             <p:contentPart p14:bwMode="auto" r:id="rId137">
               <p14:nvContentPartPr>
                 <p14:cNvPr id="270" name="Ink 269">
@@ -12320,7 +12320,7 @@
               </p14:xfrm>
             </p:contentPart>
           </mc:Choice>
-          <mc:Fallback>
+          <mc:Fallback xmlns="">
             <p:pic>
               <p:nvPicPr>
                 <p:cNvPr id="270" name="Ink 269">
@@ -12351,8 +12351,8 @@
             </p:pic>
           </mc:Fallback>
         </mc:AlternateContent>
-        <mc:AlternateContent xmlns:mc="http://schemas.openxmlformats.org/markup-compatibility/2006">
-          <mc:Choice xmlns:p14="http://schemas.microsoft.com/office/powerpoint/2010/main" Requires="p14">
+        <mc:AlternateContent xmlns:mc="http://schemas.openxmlformats.org/markup-compatibility/2006" xmlns:p14="http://schemas.microsoft.com/office/powerpoint/2010/main">
+          <mc:Choice Requires="p14">
             <p:contentPart p14:bwMode="auto" r:id="rId139">
               <p14:nvContentPartPr>
                 <p14:cNvPr id="272" name="Ink 271">
@@ -12371,7 +12371,7 @@
               </p14:xfrm>
             </p:contentPart>
           </mc:Choice>
-          <mc:Fallback>
+          <mc:Fallback xmlns="">
             <p:pic>
               <p:nvPicPr>
                 <p:cNvPr id="272" name="Ink 271">
@@ -12402,8 +12402,8 @@
             </p:pic>
           </mc:Fallback>
         </mc:AlternateContent>
-        <mc:AlternateContent xmlns:mc="http://schemas.openxmlformats.org/markup-compatibility/2006">
-          <mc:Choice xmlns:p14="http://schemas.microsoft.com/office/powerpoint/2010/main" Requires="p14">
+        <mc:AlternateContent xmlns:mc="http://schemas.openxmlformats.org/markup-compatibility/2006" xmlns:p14="http://schemas.microsoft.com/office/powerpoint/2010/main">
+          <mc:Choice Requires="p14">
             <p:contentPart p14:bwMode="auto" r:id="rId141">
               <p14:nvContentPartPr>
                 <p14:cNvPr id="275" name="Ink 274">
@@ -12422,7 +12422,7 @@
               </p14:xfrm>
             </p:contentPart>
           </mc:Choice>
-          <mc:Fallback>
+          <mc:Fallback xmlns="">
             <p:pic>
               <p:nvPicPr>
                 <p:cNvPr id="275" name="Ink 274">
@@ -12453,8 +12453,8 @@
             </p:pic>
           </mc:Fallback>
         </mc:AlternateContent>
-        <mc:AlternateContent xmlns:mc="http://schemas.openxmlformats.org/markup-compatibility/2006">
-          <mc:Choice xmlns:p14="http://schemas.microsoft.com/office/powerpoint/2010/main" Requires="p14">
+        <mc:AlternateContent xmlns:mc="http://schemas.openxmlformats.org/markup-compatibility/2006" xmlns:p14="http://schemas.microsoft.com/office/powerpoint/2010/main">
+          <mc:Choice Requires="p14">
             <p:contentPart p14:bwMode="auto" r:id="rId143">
               <p14:nvContentPartPr>
                 <p14:cNvPr id="278" name="Ink 277">
@@ -12473,7 +12473,7 @@
               </p14:xfrm>
             </p:contentPart>
           </mc:Choice>
-          <mc:Fallback>
+          <mc:Fallback xmlns="">
             <p:pic>
               <p:nvPicPr>
                 <p:cNvPr id="278" name="Ink 277">
@@ -12544,8 +12544,8 @@
                 <a:chExt cx="61560" cy="1716480"/>
               </a:xfrm>
             </p:grpSpPr>
-            <mc:AlternateContent xmlns:mc="http://schemas.openxmlformats.org/markup-compatibility/2006">
-              <mc:Choice xmlns:p14="http://schemas.microsoft.com/office/powerpoint/2010/main" Requires="p14">
+            <mc:AlternateContent xmlns:mc="http://schemas.openxmlformats.org/markup-compatibility/2006" xmlns:p14="http://schemas.microsoft.com/office/powerpoint/2010/main">
+              <mc:Choice Requires="p14">
                 <p:contentPart p14:bwMode="auto" r:id="rId145">
                   <p14:nvContentPartPr>
                     <p14:cNvPr id="299" name="Ink 298">
@@ -12564,7 +12564,7 @@
                   </p14:xfrm>
                 </p:contentPart>
               </mc:Choice>
-              <mc:Fallback>
+              <mc:Fallback xmlns="">
                 <p:pic>
                   <p:nvPicPr>
                     <p:cNvPr id="299" name="Ink 298">
@@ -12595,8 +12595,8 @@
                 </p:pic>
               </mc:Fallback>
             </mc:AlternateContent>
-            <mc:AlternateContent xmlns:mc="http://schemas.openxmlformats.org/markup-compatibility/2006">
-              <mc:Choice xmlns:p14="http://schemas.microsoft.com/office/powerpoint/2010/main" Requires="p14">
+            <mc:AlternateContent xmlns:mc="http://schemas.openxmlformats.org/markup-compatibility/2006" xmlns:p14="http://schemas.microsoft.com/office/powerpoint/2010/main">
+              <mc:Choice Requires="p14">
                 <p:contentPart p14:bwMode="auto" r:id="rId146">
                   <p14:nvContentPartPr>
                     <p14:cNvPr id="300" name="Ink 299">
@@ -12615,7 +12615,7 @@
                   </p14:xfrm>
                 </p:contentPart>
               </mc:Choice>
-              <mc:Fallback>
+              <mc:Fallback xmlns="">
                 <p:pic>
                   <p:nvPicPr>
                     <p:cNvPr id="300" name="Ink 299">
@@ -12646,8 +12646,8 @@
                 </p:pic>
               </mc:Fallback>
             </mc:AlternateContent>
-            <mc:AlternateContent xmlns:mc="http://schemas.openxmlformats.org/markup-compatibility/2006">
-              <mc:Choice xmlns:p14="http://schemas.microsoft.com/office/powerpoint/2010/main" Requires="p14">
+            <mc:AlternateContent xmlns:mc="http://schemas.openxmlformats.org/markup-compatibility/2006" xmlns:p14="http://schemas.microsoft.com/office/powerpoint/2010/main">
+              <mc:Choice Requires="p14">
                 <p:contentPart p14:bwMode="auto" r:id="rId147">
                   <p14:nvContentPartPr>
                     <p14:cNvPr id="301" name="Ink 300">
@@ -12666,7 +12666,7 @@
                   </p14:xfrm>
                 </p:contentPart>
               </mc:Choice>
-              <mc:Fallback>
+              <mc:Fallback xmlns="">
                 <p:pic>
                   <p:nvPicPr>
                     <p:cNvPr id="301" name="Ink 300">
@@ -12697,8 +12697,8 @@
                 </p:pic>
               </mc:Fallback>
             </mc:AlternateContent>
-            <mc:AlternateContent xmlns:mc="http://schemas.openxmlformats.org/markup-compatibility/2006">
-              <mc:Choice xmlns:p14="http://schemas.microsoft.com/office/powerpoint/2010/main" Requires="p14">
+            <mc:AlternateContent xmlns:mc="http://schemas.openxmlformats.org/markup-compatibility/2006" xmlns:p14="http://schemas.microsoft.com/office/powerpoint/2010/main">
+              <mc:Choice Requires="p14">
                 <p:contentPart p14:bwMode="auto" r:id="rId148">
                   <p14:nvContentPartPr>
                     <p14:cNvPr id="302" name="Ink 301">
@@ -12717,7 +12717,7 @@
                   </p14:xfrm>
                 </p:contentPart>
               </mc:Choice>
-              <mc:Fallback>
+              <mc:Fallback xmlns="">
                 <p:pic>
                   <p:nvPicPr>
                     <p:cNvPr id="302" name="Ink 301">
@@ -12748,8 +12748,8 @@
                 </p:pic>
               </mc:Fallback>
             </mc:AlternateContent>
-            <mc:AlternateContent xmlns:mc="http://schemas.openxmlformats.org/markup-compatibility/2006">
-              <mc:Choice xmlns:p14="http://schemas.microsoft.com/office/powerpoint/2010/main" Requires="p14">
+            <mc:AlternateContent xmlns:mc="http://schemas.openxmlformats.org/markup-compatibility/2006" xmlns:p14="http://schemas.microsoft.com/office/powerpoint/2010/main">
+              <mc:Choice Requires="p14">
                 <p:contentPart p14:bwMode="auto" r:id="rId149">
                   <p14:nvContentPartPr>
                     <p14:cNvPr id="303" name="Ink 302">
@@ -12768,7 +12768,7 @@
                   </p14:xfrm>
                 </p:contentPart>
               </mc:Choice>
-              <mc:Fallback>
+              <mc:Fallback xmlns="">
                 <p:pic>
                   <p:nvPicPr>
                     <p:cNvPr id="303" name="Ink 302">
@@ -12799,8 +12799,8 @@
                 </p:pic>
               </mc:Fallback>
             </mc:AlternateContent>
-            <mc:AlternateContent xmlns:mc="http://schemas.openxmlformats.org/markup-compatibility/2006">
-              <mc:Choice xmlns:p14="http://schemas.microsoft.com/office/powerpoint/2010/main" Requires="p14">
+            <mc:AlternateContent xmlns:mc="http://schemas.openxmlformats.org/markup-compatibility/2006" xmlns:p14="http://schemas.microsoft.com/office/powerpoint/2010/main">
+              <mc:Choice Requires="p14">
                 <p:contentPart p14:bwMode="auto" r:id="rId150">
                   <p14:nvContentPartPr>
                     <p14:cNvPr id="304" name="Ink 303">
@@ -12819,7 +12819,7 @@
                   </p14:xfrm>
                 </p:contentPart>
               </mc:Choice>
-              <mc:Fallback>
+              <mc:Fallback xmlns="">
                 <p:pic>
                   <p:nvPicPr>
                     <p:cNvPr id="304" name="Ink 303">
@@ -12850,8 +12850,8 @@
                 </p:pic>
               </mc:Fallback>
             </mc:AlternateContent>
-            <mc:AlternateContent xmlns:mc="http://schemas.openxmlformats.org/markup-compatibility/2006">
-              <mc:Choice xmlns:p14="http://schemas.microsoft.com/office/powerpoint/2010/main" Requires="p14">
+            <mc:AlternateContent xmlns:mc="http://schemas.openxmlformats.org/markup-compatibility/2006" xmlns:p14="http://schemas.microsoft.com/office/powerpoint/2010/main">
+              <mc:Choice Requires="p14">
                 <p:contentPart p14:bwMode="auto" r:id="rId151">
                   <p14:nvContentPartPr>
                     <p14:cNvPr id="305" name="Ink 304">
@@ -12870,7 +12870,7 @@
                   </p14:xfrm>
                 </p:contentPart>
               </mc:Choice>
-              <mc:Fallback>
+              <mc:Fallback xmlns="">
                 <p:pic>
                   <p:nvPicPr>
                     <p:cNvPr id="305" name="Ink 304">
@@ -12901,8 +12901,8 @@
                 </p:pic>
               </mc:Fallback>
             </mc:AlternateContent>
-            <mc:AlternateContent xmlns:mc="http://schemas.openxmlformats.org/markup-compatibility/2006">
-              <mc:Choice xmlns:p14="http://schemas.microsoft.com/office/powerpoint/2010/main" Requires="p14">
+            <mc:AlternateContent xmlns:mc="http://schemas.openxmlformats.org/markup-compatibility/2006" xmlns:p14="http://schemas.microsoft.com/office/powerpoint/2010/main">
+              <mc:Choice Requires="p14">
                 <p:contentPart p14:bwMode="auto" r:id="rId152">
                   <p14:nvContentPartPr>
                     <p14:cNvPr id="306" name="Ink 305">
@@ -12921,7 +12921,7 @@
                   </p14:xfrm>
                 </p:contentPart>
               </mc:Choice>
-              <mc:Fallback>
+              <mc:Fallback xmlns="">
                 <p:pic>
                   <p:nvPicPr>
                     <p:cNvPr id="306" name="Ink 305">
@@ -12952,8 +12952,8 @@
                 </p:pic>
               </mc:Fallback>
             </mc:AlternateContent>
-            <mc:AlternateContent xmlns:mc="http://schemas.openxmlformats.org/markup-compatibility/2006">
-              <mc:Choice xmlns:p14="http://schemas.microsoft.com/office/powerpoint/2010/main" Requires="p14">
+            <mc:AlternateContent xmlns:mc="http://schemas.openxmlformats.org/markup-compatibility/2006" xmlns:p14="http://schemas.microsoft.com/office/powerpoint/2010/main">
+              <mc:Choice Requires="p14">
                 <p:contentPart p14:bwMode="auto" r:id="rId153">
                   <p14:nvContentPartPr>
                     <p14:cNvPr id="307" name="Ink 306">
@@ -12972,7 +12972,7 @@
                   </p14:xfrm>
                 </p:contentPart>
               </mc:Choice>
-              <mc:Fallback>
+              <mc:Fallback xmlns="">
                 <p:pic>
                   <p:nvPicPr>
                     <p:cNvPr id="307" name="Ink 306">
@@ -13004,8 +13004,8 @@
               </mc:Fallback>
             </mc:AlternateContent>
           </p:grpSp>
-          <mc:AlternateContent xmlns:mc="http://schemas.openxmlformats.org/markup-compatibility/2006">
-            <mc:Choice xmlns:p14="http://schemas.microsoft.com/office/powerpoint/2010/main" Requires="p14">
+          <mc:AlternateContent xmlns:mc="http://schemas.openxmlformats.org/markup-compatibility/2006" xmlns:p14="http://schemas.microsoft.com/office/powerpoint/2010/main">
+            <mc:Choice Requires="p14">
               <p:contentPart p14:bwMode="auto" r:id="rId154">
                 <p14:nvContentPartPr>
                   <p14:cNvPr id="297" name="Ink 296">
@@ -13024,7 +13024,7 @@
                 </p14:xfrm>
               </p:contentPart>
             </mc:Choice>
-            <mc:Fallback>
+            <mc:Fallback xmlns="">
               <p:pic>
                 <p:nvPicPr>
                   <p:cNvPr id="297" name="Ink 296">
@@ -13055,8 +13055,8 @@
               </p:pic>
             </mc:Fallback>
           </mc:AlternateContent>
-          <mc:AlternateContent xmlns:mc="http://schemas.openxmlformats.org/markup-compatibility/2006">
-            <mc:Choice xmlns:p14="http://schemas.microsoft.com/office/powerpoint/2010/main" Requires="p14">
+          <mc:AlternateContent xmlns:mc="http://schemas.openxmlformats.org/markup-compatibility/2006" xmlns:p14="http://schemas.microsoft.com/office/powerpoint/2010/main">
+            <mc:Choice Requires="p14">
               <p:contentPart p14:bwMode="auto" r:id="rId155">
                 <p14:nvContentPartPr>
                   <p14:cNvPr id="298" name="Ink 297">
@@ -13075,7 +13075,7 @@
                 </p14:xfrm>
               </p:contentPart>
             </mc:Choice>
-            <mc:Fallback>
+            <mc:Fallback xmlns="">
               <p:pic>
                 <p:nvPicPr>
                   <p:cNvPr id="298" name="Ink 297">
@@ -13147,8 +13147,8 @@
                 <a:chExt cx="61560" cy="1716480"/>
               </a:xfrm>
             </p:grpSpPr>
-            <mc:AlternateContent xmlns:mc="http://schemas.openxmlformats.org/markup-compatibility/2006">
-              <mc:Choice xmlns:p14="http://schemas.microsoft.com/office/powerpoint/2010/main" Requires="p14">
+            <mc:AlternateContent xmlns:mc="http://schemas.openxmlformats.org/markup-compatibility/2006" xmlns:p14="http://schemas.microsoft.com/office/powerpoint/2010/main">
+              <mc:Choice Requires="p14">
                 <p:contentPart p14:bwMode="auto" r:id="rId156">
                   <p14:nvContentPartPr>
                     <p14:cNvPr id="340" name="Ink 339">
@@ -13167,7 +13167,7 @@
                   </p14:xfrm>
                 </p:contentPart>
               </mc:Choice>
-              <mc:Fallback>
+              <mc:Fallback xmlns="">
                 <p:pic>
                   <p:nvPicPr>
                     <p:cNvPr id="340" name="Ink 339">
@@ -13198,8 +13198,8 @@
                 </p:pic>
               </mc:Fallback>
             </mc:AlternateContent>
-            <mc:AlternateContent xmlns:mc="http://schemas.openxmlformats.org/markup-compatibility/2006">
-              <mc:Choice xmlns:p14="http://schemas.microsoft.com/office/powerpoint/2010/main" Requires="p14">
+            <mc:AlternateContent xmlns:mc="http://schemas.openxmlformats.org/markup-compatibility/2006" xmlns:p14="http://schemas.microsoft.com/office/powerpoint/2010/main">
+              <mc:Choice Requires="p14">
                 <p:contentPart p14:bwMode="auto" r:id="rId157">
                   <p14:nvContentPartPr>
                     <p14:cNvPr id="341" name="Ink 340">
@@ -13218,7 +13218,7 @@
                   </p14:xfrm>
                 </p:contentPart>
               </mc:Choice>
-              <mc:Fallback>
+              <mc:Fallback xmlns="">
                 <p:pic>
                   <p:nvPicPr>
                     <p:cNvPr id="341" name="Ink 340">
@@ -13249,8 +13249,8 @@
                 </p:pic>
               </mc:Fallback>
             </mc:AlternateContent>
-            <mc:AlternateContent xmlns:mc="http://schemas.openxmlformats.org/markup-compatibility/2006">
-              <mc:Choice xmlns:p14="http://schemas.microsoft.com/office/powerpoint/2010/main" Requires="p14">
+            <mc:AlternateContent xmlns:mc="http://schemas.openxmlformats.org/markup-compatibility/2006" xmlns:p14="http://schemas.microsoft.com/office/powerpoint/2010/main">
+              <mc:Choice Requires="p14">
                 <p:contentPart p14:bwMode="auto" r:id="rId158">
                   <p14:nvContentPartPr>
                     <p14:cNvPr id="342" name="Ink 341">
@@ -13269,7 +13269,7 @@
                   </p14:xfrm>
                 </p:contentPart>
               </mc:Choice>
-              <mc:Fallback>
+              <mc:Fallback xmlns="">
                 <p:pic>
                   <p:nvPicPr>
                     <p:cNvPr id="342" name="Ink 341">
@@ -13300,8 +13300,8 @@
                 </p:pic>
               </mc:Fallback>
             </mc:AlternateContent>
-            <mc:AlternateContent xmlns:mc="http://schemas.openxmlformats.org/markup-compatibility/2006">
-              <mc:Choice xmlns:p14="http://schemas.microsoft.com/office/powerpoint/2010/main" Requires="p14">
+            <mc:AlternateContent xmlns:mc="http://schemas.openxmlformats.org/markup-compatibility/2006" xmlns:p14="http://schemas.microsoft.com/office/powerpoint/2010/main">
+              <mc:Choice Requires="p14">
                 <p:contentPart p14:bwMode="auto" r:id="rId159">
                   <p14:nvContentPartPr>
                     <p14:cNvPr id="343" name="Ink 342">
@@ -13320,7 +13320,7 @@
                   </p14:xfrm>
                 </p:contentPart>
               </mc:Choice>
-              <mc:Fallback>
+              <mc:Fallback xmlns="">
                 <p:pic>
                   <p:nvPicPr>
                     <p:cNvPr id="343" name="Ink 342">
@@ -13351,8 +13351,8 @@
                 </p:pic>
               </mc:Fallback>
             </mc:AlternateContent>
-            <mc:AlternateContent xmlns:mc="http://schemas.openxmlformats.org/markup-compatibility/2006">
-              <mc:Choice xmlns:p14="http://schemas.microsoft.com/office/powerpoint/2010/main" Requires="p14">
+            <mc:AlternateContent xmlns:mc="http://schemas.openxmlformats.org/markup-compatibility/2006" xmlns:p14="http://schemas.microsoft.com/office/powerpoint/2010/main">
+              <mc:Choice Requires="p14">
                 <p:contentPart p14:bwMode="auto" r:id="rId160">
                   <p14:nvContentPartPr>
                     <p14:cNvPr id="344" name="Ink 343">
@@ -13371,7 +13371,7 @@
                   </p14:xfrm>
                 </p:contentPart>
               </mc:Choice>
-              <mc:Fallback>
+              <mc:Fallback xmlns="">
                 <p:pic>
                   <p:nvPicPr>
                     <p:cNvPr id="344" name="Ink 343">
@@ -13402,8 +13402,8 @@
                 </p:pic>
               </mc:Fallback>
             </mc:AlternateContent>
-            <mc:AlternateContent xmlns:mc="http://schemas.openxmlformats.org/markup-compatibility/2006">
-              <mc:Choice xmlns:p14="http://schemas.microsoft.com/office/powerpoint/2010/main" Requires="p14">
+            <mc:AlternateContent xmlns:mc="http://schemas.openxmlformats.org/markup-compatibility/2006" xmlns:p14="http://schemas.microsoft.com/office/powerpoint/2010/main">
+              <mc:Choice Requires="p14">
                 <p:contentPart p14:bwMode="auto" r:id="rId161">
                   <p14:nvContentPartPr>
                     <p14:cNvPr id="345" name="Ink 344">
@@ -13422,7 +13422,7 @@
                   </p14:xfrm>
                 </p:contentPart>
               </mc:Choice>
-              <mc:Fallback>
+              <mc:Fallback xmlns="">
                 <p:pic>
                   <p:nvPicPr>
                     <p:cNvPr id="345" name="Ink 344">
@@ -13453,8 +13453,8 @@
                 </p:pic>
               </mc:Fallback>
             </mc:AlternateContent>
-            <mc:AlternateContent xmlns:mc="http://schemas.openxmlformats.org/markup-compatibility/2006">
-              <mc:Choice xmlns:p14="http://schemas.microsoft.com/office/powerpoint/2010/main" Requires="p14">
+            <mc:AlternateContent xmlns:mc="http://schemas.openxmlformats.org/markup-compatibility/2006" xmlns:p14="http://schemas.microsoft.com/office/powerpoint/2010/main">
+              <mc:Choice Requires="p14">
                 <p:contentPart p14:bwMode="auto" r:id="rId162">
                   <p14:nvContentPartPr>
                     <p14:cNvPr id="346" name="Ink 345">
@@ -13473,7 +13473,7 @@
                   </p14:xfrm>
                 </p:contentPart>
               </mc:Choice>
-              <mc:Fallback>
+              <mc:Fallback xmlns="">
                 <p:pic>
                   <p:nvPicPr>
                     <p:cNvPr id="346" name="Ink 345">
@@ -13504,8 +13504,8 @@
                 </p:pic>
               </mc:Fallback>
             </mc:AlternateContent>
-            <mc:AlternateContent xmlns:mc="http://schemas.openxmlformats.org/markup-compatibility/2006">
-              <mc:Choice xmlns:p14="http://schemas.microsoft.com/office/powerpoint/2010/main" Requires="p14">
+            <mc:AlternateContent xmlns:mc="http://schemas.openxmlformats.org/markup-compatibility/2006" xmlns:p14="http://schemas.microsoft.com/office/powerpoint/2010/main">
+              <mc:Choice Requires="p14">
                 <p:contentPart p14:bwMode="auto" r:id="rId163">
                   <p14:nvContentPartPr>
                     <p14:cNvPr id="347" name="Ink 346">
@@ -13524,7 +13524,7 @@
                   </p14:xfrm>
                 </p:contentPart>
               </mc:Choice>
-              <mc:Fallback>
+              <mc:Fallback xmlns="">
                 <p:pic>
                   <p:nvPicPr>
                     <p:cNvPr id="347" name="Ink 346">
@@ -13555,8 +13555,8 @@
                 </p:pic>
               </mc:Fallback>
             </mc:AlternateContent>
-            <mc:AlternateContent xmlns:mc="http://schemas.openxmlformats.org/markup-compatibility/2006">
-              <mc:Choice xmlns:p14="http://schemas.microsoft.com/office/powerpoint/2010/main" Requires="p14">
+            <mc:AlternateContent xmlns:mc="http://schemas.openxmlformats.org/markup-compatibility/2006" xmlns:p14="http://schemas.microsoft.com/office/powerpoint/2010/main">
+              <mc:Choice Requires="p14">
                 <p:contentPart p14:bwMode="auto" r:id="rId164">
                   <p14:nvContentPartPr>
                     <p14:cNvPr id="348" name="Ink 347">
@@ -13575,7 +13575,7 @@
                   </p14:xfrm>
                 </p:contentPart>
               </mc:Choice>
-              <mc:Fallback>
+              <mc:Fallback xmlns="">
                 <p:pic>
                   <p:nvPicPr>
                     <p:cNvPr id="348" name="Ink 347">
@@ -13607,8 +13607,8 @@
               </mc:Fallback>
             </mc:AlternateContent>
           </p:grpSp>
-          <mc:AlternateContent xmlns:mc="http://schemas.openxmlformats.org/markup-compatibility/2006">
-            <mc:Choice xmlns:p14="http://schemas.microsoft.com/office/powerpoint/2010/main" Requires="p14">
+          <mc:AlternateContent xmlns:mc="http://schemas.openxmlformats.org/markup-compatibility/2006" xmlns:p14="http://schemas.microsoft.com/office/powerpoint/2010/main">
+            <mc:Choice Requires="p14">
               <p:contentPart p14:bwMode="auto" r:id="rId165">
                 <p14:nvContentPartPr>
                   <p14:cNvPr id="338" name="Ink 337">
@@ -13627,7 +13627,7 @@
                 </p14:xfrm>
               </p:contentPart>
             </mc:Choice>
-            <mc:Fallback>
+            <mc:Fallback xmlns="">
               <p:pic>
                 <p:nvPicPr>
                   <p:cNvPr id="338" name="Ink 337">
@@ -13658,8 +13658,8 @@
               </p:pic>
             </mc:Fallback>
           </mc:AlternateContent>
-          <mc:AlternateContent xmlns:mc="http://schemas.openxmlformats.org/markup-compatibility/2006">
-            <mc:Choice xmlns:p14="http://schemas.microsoft.com/office/powerpoint/2010/main" Requires="p14">
+          <mc:AlternateContent xmlns:mc="http://schemas.openxmlformats.org/markup-compatibility/2006" xmlns:p14="http://schemas.microsoft.com/office/powerpoint/2010/main">
+            <mc:Choice Requires="p14">
               <p:contentPart p14:bwMode="auto" r:id="rId166">
                 <p14:nvContentPartPr>
                   <p14:cNvPr id="339" name="Ink 338">
@@ -13678,7 +13678,7 @@
                 </p14:xfrm>
               </p:contentPart>
             </mc:Choice>
-            <mc:Fallback>
+            <mc:Fallback xmlns="">
               <p:pic>
                 <p:nvPicPr>
                   <p:cNvPr id="339" name="Ink 338">
@@ -13710,8 +13710,8 @@
             </mc:Fallback>
           </mc:AlternateContent>
         </p:grpSp>
-        <mc:AlternateContent xmlns:mc="http://schemas.openxmlformats.org/markup-compatibility/2006">
-          <mc:Choice xmlns:p14="http://schemas.microsoft.com/office/powerpoint/2010/main" Requires="p14">
+        <mc:AlternateContent xmlns:mc="http://schemas.openxmlformats.org/markup-compatibility/2006" xmlns:p14="http://schemas.microsoft.com/office/powerpoint/2010/main">
+          <mc:Choice Requires="p14">
             <p:contentPart p14:bwMode="auto" r:id="rId167">
               <p14:nvContentPartPr>
                 <p14:cNvPr id="362" name="Ink 361">
@@ -13730,7 +13730,7 @@
               </p14:xfrm>
             </p:contentPart>
           </mc:Choice>
-          <mc:Fallback>
+          <mc:Fallback xmlns="">
             <p:pic>
               <p:nvPicPr>
                 <p:cNvPr id="362" name="Ink 361">
@@ -13761,8 +13761,8 @@
             </p:pic>
           </mc:Fallback>
         </mc:AlternateContent>
-        <mc:AlternateContent xmlns:mc="http://schemas.openxmlformats.org/markup-compatibility/2006">
-          <mc:Choice xmlns:p14="http://schemas.microsoft.com/office/powerpoint/2010/main" Requires="p14">
+        <mc:AlternateContent xmlns:mc="http://schemas.openxmlformats.org/markup-compatibility/2006" xmlns:p14="http://schemas.microsoft.com/office/powerpoint/2010/main">
+          <mc:Choice Requires="p14">
             <p:contentPart p14:bwMode="auto" r:id="rId169">
               <p14:nvContentPartPr>
                 <p14:cNvPr id="364" name="Ink 363">
@@ -13781,7 +13781,7 @@
               </p14:xfrm>
             </p:contentPart>
           </mc:Choice>
-          <mc:Fallback>
+          <mc:Fallback xmlns="">
             <p:pic>
               <p:nvPicPr>
                 <p:cNvPr id="364" name="Ink 363">
@@ -13852,8 +13852,8 @@
           </p:txBody>
         </p:sp>
       </p:grpSp>
-      <mc:AlternateContent xmlns:mc="http://schemas.openxmlformats.org/markup-compatibility/2006">
-        <mc:Choice xmlns:p14="http://schemas.microsoft.com/office/powerpoint/2010/main" Requires="p14">
+      <mc:AlternateContent xmlns:mc="http://schemas.openxmlformats.org/markup-compatibility/2006" xmlns:p14="http://schemas.microsoft.com/office/powerpoint/2010/main">
+        <mc:Choice Requires="p14">
           <p:contentPart p14:bwMode="auto" r:id="rId171">
             <p14:nvContentPartPr>
               <p14:cNvPr id="366" name="Ink 365">
@@ -13872,7 +13872,7 @@
             </p14:xfrm>
           </p:contentPart>
         </mc:Choice>
-        <mc:Fallback>
+        <mc:Fallback xmlns="">
           <p:pic>
             <p:nvPicPr>
               <p:cNvPr id="366" name="Ink 365">
@@ -13903,8 +13903,8 @@
           </p:pic>
         </mc:Fallback>
       </mc:AlternateContent>
-      <mc:AlternateContent xmlns:mc="http://schemas.openxmlformats.org/markup-compatibility/2006">
-        <mc:Choice xmlns:p14="http://schemas.microsoft.com/office/powerpoint/2010/main" Requires="p14">
+      <mc:AlternateContent xmlns:mc="http://schemas.openxmlformats.org/markup-compatibility/2006" xmlns:p14="http://schemas.microsoft.com/office/powerpoint/2010/main">
+        <mc:Choice Requires="p14">
           <p:contentPart p14:bwMode="auto" r:id="rId173">
             <p14:nvContentPartPr>
               <p14:cNvPr id="367" name="Ink 366">
@@ -13923,7 +13923,7 @@
             </p14:xfrm>
           </p:contentPart>
         </mc:Choice>
-        <mc:Fallback>
+        <mc:Fallback xmlns="">
           <p:pic>
             <p:nvPicPr>
               <p:cNvPr id="367" name="Ink 366">
@@ -13954,8 +13954,8 @@
           </p:pic>
         </mc:Fallback>
       </mc:AlternateContent>
-      <mc:AlternateContent xmlns:mc="http://schemas.openxmlformats.org/markup-compatibility/2006">
-        <mc:Choice xmlns:p14="http://schemas.microsoft.com/office/powerpoint/2010/main" Requires="p14">
+      <mc:AlternateContent xmlns:mc="http://schemas.openxmlformats.org/markup-compatibility/2006" xmlns:p14="http://schemas.microsoft.com/office/powerpoint/2010/main">
+        <mc:Choice Requires="p14">
           <p:contentPart p14:bwMode="auto" r:id="rId175">
             <p14:nvContentPartPr>
               <p14:cNvPr id="368" name="Ink 367">
@@ -13974,7 +13974,7 @@
             </p14:xfrm>
           </p:contentPart>
         </mc:Choice>
-        <mc:Fallback>
+        <mc:Fallback xmlns="">
           <p:pic>
             <p:nvPicPr>
               <p:cNvPr id="368" name="Ink 367">
@@ -14005,8 +14005,8 @@
           </p:pic>
         </mc:Fallback>
       </mc:AlternateContent>
-      <mc:AlternateContent xmlns:mc="http://schemas.openxmlformats.org/markup-compatibility/2006">
-        <mc:Choice xmlns:p14="http://schemas.microsoft.com/office/powerpoint/2010/main" Requires="p14">
+      <mc:AlternateContent xmlns:mc="http://schemas.openxmlformats.org/markup-compatibility/2006" xmlns:p14="http://schemas.microsoft.com/office/powerpoint/2010/main">
+        <mc:Choice Requires="p14">
           <p:contentPart p14:bwMode="auto" r:id="rId176">
             <p14:nvContentPartPr>
               <p14:cNvPr id="369" name="Ink 368">
@@ -14025,7 +14025,7 @@
             </p14:xfrm>
           </p:contentPart>
         </mc:Choice>
-        <mc:Fallback>
+        <mc:Fallback xmlns="">
           <p:pic>
             <p:nvPicPr>
               <p:cNvPr id="369" name="Ink 368">
